--- a/Slides.pptx
+++ b/Slides.pptx
@@ -11,8 +11,6 @@
     <p:sldId id="266" r:id="rId5"/>
     <p:sldId id="267" r:id="rId6"/>
     <p:sldId id="260" r:id="rId7"/>
-    <p:sldId id="258" r:id="rId8"/>
-    <p:sldId id="264" r:id="rId9"/>
   </p:sldIdLst>
   <p:sldSz cx="12192000" cy="6858000"/>
   <p:notesSz cx="6858000" cy="9144000"/>
@@ -268,7 +266,7 @@
           <a:p>
             <a:fld id="{5B9A57E7-DF79-4FCD-97CC-8F10BE630275}" type="datetimeFigureOut">
               <a:rPr lang="en-US" smtClean="0"/>
-              <a:t>9/5/2024</a:t>
+              <a:t>9/10/2024</a:t>
             </a:fld>
             <a:endParaRPr lang="en-US"/>
           </a:p>
@@ -468,7 +466,7 @@
           <a:p>
             <a:fld id="{5B9A57E7-DF79-4FCD-97CC-8F10BE630275}" type="datetimeFigureOut">
               <a:rPr lang="en-US" smtClean="0"/>
-              <a:t>9/5/2024</a:t>
+              <a:t>9/10/2024</a:t>
             </a:fld>
             <a:endParaRPr lang="en-US"/>
           </a:p>
@@ -678,7 +676,7 @@
           <a:p>
             <a:fld id="{5B9A57E7-DF79-4FCD-97CC-8F10BE630275}" type="datetimeFigureOut">
               <a:rPr lang="en-US" smtClean="0"/>
-              <a:t>9/5/2024</a:t>
+              <a:t>9/10/2024</a:t>
             </a:fld>
             <a:endParaRPr lang="en-US"/>
           </a:p>
@@ -878,7 +876,7 @@
           <a:p>
             <a:fld id="{5B9A57E7-DF79-4FCD-97CC-8F10BE630275}" type="datetimeFigureOut">
               <a:rPr lang="en-US" smtClean="0"/>
-              <a:t>9/5/2024</a:t>
+              <a:t>9/10/2024</a:t>
             </a:fld>
             <a:endParaRPr lang="en-US"/>
           </a:p>
@@ -1154,7 +1152,7 @@
           <a:p>
             <a:fld id="{5B9A57E7-DF79-4FCD-97CC-8F10BE630275}" type="datetimeFigureOut">
               <a:rPr lang="en-US" smtClean="0"/>
-              <a:t>9/5/2024</a:t>
+              <a:t>9/10/2024</a:t>
             </a:fld>
             <a:endParaRPr lang="en-US"/>
           </a:p>
@@ -1422,7 +1420,7 @@
           <a:p>
             <a:fld id="{5B9A57E7-DF79-4FCD-97CC-8F10BE630275}" type="datetimeFigureOut">
               <a:rPr lang="en-US" smtClean="0"/>
-              <a:t>9/5/2024</a:t>
+              <a:t>9/10/2024</a:t>
             </a:fld>
             <a:endParaRPr lang="en-US"/>
           </a:p>
@@ -1837,7 +1835,7 @@
           <a:p>
             <a:fld id="{5B9A57E7-DF79-4FCD-97CC-8F10BE630275}" type="datetimeFigureOut">
               <a:rPr lang="en-US" smtClean="0"/>
-              <a:t>9/5/2024</a:t>
+              <a:t>9/10/2024</a:t>
             </a:fld>
             <a:endParaRPr lang="en-US"/>
           </a:p>
@@ -1979,7 +1977,7 @@
           <a:p>
             <a:fld id="{5B9A57E7-DF79-4FCD-97CC-8F10BE630275}" type="datetimeFigureOut">
               <a:rPr lang="en-US" smtClean="0"/>
-              <a:t>9/5/2024</a:t>
+              <a:t>9/10/2024</a:t>
             </a:fld>
             <a:endParaRPr lang="en-US"/>
           </a:p>
@@ -2092,7 +2090,7 @@
           <a:p>
             <a:fld id="{5B9A57E7-DF79-4FCD-97CC-8F10BE630275}" type="datetimeFigureOut">
               <a:rPr lang="en-US" smtClean="0"/>
-              <a:t>9/5/2024</a:t>
+              <a:t>9/10/2024</a:t>
             </a:fld>
             <a:endParaRPr lang="en-US"/>
           </a:p>
@@ -2405,7 +2403,7 @@
           <a:p>
             <a:fld id="{5B9A57E7-DF79-4FCD-97CC-8F10BE630275}" type="datetimeFigureOut">
               <a:rPr lang="en-US" smtClean="0"/>
-              <a:t>9/5/2024</a:t>
+              <a:t>9/10/2024</a:t>
             </a:fld>
             <a:endParaRPr lang="en-US"/>
           </a:p>
@@ -2694,7 +2692,7 @@
           <a:p>
             <a:fld id="{5B9A57E7-DF79-4FCD-97CC-8F10BE630275}" type="datetimeFigureOut">
               <a:rPr lang="en-US" smtClean="0"/>
-              <a:t>9/5/2024</a:t>
+              <a:t>9/10/2024</a:t>
             </a:fld>
             <a:endParaRPr lang="en-US"/>
           </a:p>
@@ -2937,7 +2935,7 @@
           <a:p>
             <a:fld id="{5B9A57E7-DF79-4FCD-97CC-8F10BE630275}" type="datetimeFigureOut">
               <a:rPr lang="en-US" smtClean="0"/>
-              <a:t>9/5/2024</a:t>
+              <a:t>9/10/2024</a:t>
             </a:fld>
             <a:endParaRPr lang="en-US"/>
           </a:p>
@@ -5451,3527 +5449,6 @@
 </p:sld>
 </file>
 
-<file path=ppt/slides/slide7.xml><?xml version="1.0" encoding="utf-8"?>
-<p:sld xmlns:a="http://schemas.openxmlformats.org/drawingml/2006/main" xmlns:r="http://schemas.openxmlformats.org/officeDocument/2006/relationships" xmlns:p="http://schemas.openxmlformats.org/presentationml/2006/main">
-  <p:cSld>
-    <p:spTree>
-      <p:nvGrpSpPr>
-        <p:cNvPr id="1" name=""/>
-        <p:cNvGrpSpPr/>
-        <p:nvPr/>
-      </p:nvGrpSpPr>
-      <p:grpSpPr>
-        <a:xfrm>
-          <a:off x="0" y="0"/>
-          <a:ext cx="0" cy="0"/>
-          <a:chOff x="0" y="0"/>
-          <a:chExt cx="0" cy="0"/>
-        </a:xfrm>
-      </p:grpSpPr>
-      <p:sp>
-        <p:nvSpPr>
-          <p:cNvPr id="2" name="Titre 1">
-            <a:extLst>
-              <a:ext uri="{FF2B5EF4-FFF2-40B4-BE49-F238E27FC236}">
-                <a16:creationId xmlns:a16="http://schemas.microsoft.com/office/drawing/2014/main" id="{CF8D4AC6-9882-0784-F1FE-1B8AFAFC3595}"/>
-              </a:ext>
-            </a:extLst>
-          </p:cNvPr>
-          <p:cNvSpPr>
-            <a:spLocks noGrp="1"/>
-          </p:cNvSpPr>
-          <p:nvPr>
-            <p:ph type="ctrTitle"/>
-          </p:nvPr>
-        </p:nvSpPr>
-        <p:spPr>
-          <a:xfrm>
-            <a:off x="-239842" y="404734"/>
-            <a:ext cx="12431842" cy="982708"/>
-          </a:xfrm>
-        </p:spPr>
-        <p:txBody>
-          <a:bodyPr>
-            <a:noAutofit/>
-          </a:bodyPr>
-          <a:lstStyle/>
-          <a:p>
-            <a:r>
-              <a:rPr lang="en-US" sz="4800" dirty="0">
-                <a:gradFill>
-                  <a:gsLst>
-                    <a:gs pos="0">
-                      <a:srgbClr val="1E77B8"/>
-                    </a:gs>
-                    <a:gs pos="52000">
-                      <a:srgbClr val="00B0F0"/>
-                    </a:gs>
-                    <a:gs pos="100000">
-                      <a:srgbClr val="1D77B8"/>
-                    </a:gs>
-                  </a:gsLst>
-                  <a:lin ang="11400000" scaled="0"/>
-                </a:gradFill>
-                <a:latin typeface="LEMON MILK Medium" panose="00000600000000000000" pitchFamily="50" charset="0"/>
-              </a:rPr>
-              <a:t>Functional architecture</a:t>
-            </a:r>
-          </a:p>
-        </p:txBody>
-      </p:sp>
-      <p:sp>
-        <p:nvSpPr>
-          <p:cNvPr id="4" name="ZoneTexte 3">
-            <a:extLst>
-              <a:ext uri="{FF2B5EF4-FFF2-40B4-BE49-F238E27FC236}">
-                <a16:creationId xmlns:a16="http://schemas.microsoft.com/office/drawing/2014/main" id="{4F55E9D5-0903-FCB2-DDF8-CA13C7BD74A4}"/>
-              </a:ext>
-            </a:extLst>
-          </p:cNvPr>
-          <p:cNvSpPr txBox="1"/>
-          <p:nvPr/>
-        </p:nvSpPr>
-        <p:spPr>
-          <a:xfrm>
-            <a:off x="2471966" y="3546040"/>
-            <a:ext cx="1545616" cy="646331"/>
-          </a:xfrm>
-          <a:prstGeom prst="rect">
-            <a:avLst/>
-          </a:prstGeom>
-          <a:noFill/>
-        </p:spPr>
-        <p:txBody>
-          <a:bodyPr wrap="none" rtlCol="0">
-            <a:spAutoFit/>
-          </a:bodyPr>
-          <a:lstStyle/>
-          <a:p>
-            <a:pPr algn="ctr"/>
-            <a:r>
-              <a:rPr lang="en-US" dirty="0">
-                <a:solidFill>
-                  <a:schemeClr val="bg2">
-                    <a:lumMod val="25000"/>
-                  </a:schemeClr>
-                </a:solidFill>
-                <a:latin typeface="Montserrat" panose="02000505000000020004" pitchFamily="2" charset="0"/>
-              </a:rPr>
-              <a:t>Transaction</a:t>
-            </a:r>
-          </a:p>
-          <a:p>
-            <a:pPr algn="ctr"/>
-            <a:r>
-              <a:rPr lang="en-US" dirty="0">
-                <a:solidFill>
-                  <a:schemeClr val="bg2">
-                    <a:lumMod val="25000"/>
-                  </a:schemeClr>
-                </a:solidFill>
-                <a:latin typeface="Montserrat" panose="02000505000000020004" pitchFamily="2" charset="0"/>
-              </a:rPr>
-              <a:t>Data</a:t>
-            </a:r>
-          </a:p>
-        </p:txBody>
-      </p:sp>
-      <p:sp>
-        <p:nvSpPr>
-          <p:cNvPr id="5" name="ZoneTexte 4">
-            <a:extLst>
-              <a:ext uri="{FF2B5EF4-FFF2-40B4-BE49-F238E27FC236}">
-                <a16:creationId xmlns:a16="http://schemas.microsoft.com/office/drawing/2014/main" id="{064564D9-F829-4A87-6420-94334BDF5CC9}"/>
-              </a:ext>
-            </a:extLst>
-          </p:cNvPr>
-          <p:cNvSpPr txBox="1"/>
-          <p:nvPr/>
-        </p:nvSpPr>
-        <p:spPr>
-          <a:xfrm>
-            <a:off x="5831991" y="3546040"/>
-            <a:ext cx="1370888" cy="646331"/>
-          </a:xfrm>
-          <a:prstGeom prst="rect">
-            <a:avLst/>
-          </a:prstGeom>
-          <a:noFill/>
-        </p:spPr>
-        <p:txBody>
-          <a:bodyPr wrap="none" rtlCol="0">
-            <a:spAutoFit/>
-          </a:bodyPr>
-          <a:lstStyle/>
-          <a:p>
-            <a:pPr algn="ctr"/>
-            <a:r>
-              <a:rPr lang="en-US" dirty="0">
-                <a:solidFill>
-                  <a:schemeClr val="bg2">
-                    <a:lumMod val="25000"/>
-                  </a:schemeClr>
-                </a:solidFill>
-                <a:latin typeface="Montserrat" panose="02000505000000020004" pitchFamily="2" charset="0"/>
-              </a:rPr>
-              <a:t>API</a:t>
-            </a:r>
-          </a:p>
-          <a:p>
-            <a:pPr algn="ctr"/>
-            <a:r>
-              <a:rPr lang="en-US" dirty="0">
-                <a:solidFill>
-                  <a:schemeClr val="bg2">
-                    <a:lumMod val="25000"/>
-                  </a:schemeClr>
-                </a:solidFill>
-                <a:latin typeface="Montserrat" panose="02000505000000020004" pitchFamily="2" charset="0"/>
-              </a:rPr>
-              <a:t>Endpoints</a:t>
-            </a:r>
-          </a:p>
-        </p:txBody>
-      </p:sp>
-      <p:sp>
-        <p:nvSpPr>
-          <p:cNvPr id="6" name="ZoneTexte 5">
-            <a:extLst>
-              <a:ext uri="{FF2B5EF4-FFF2-40B4-BE49-F238E27FC236}">
-                <a16:creationId xmlns:a16="http://schemas.microsoft.com/office/drawing/2014/main" id="{51C4A3C6-7941-B013-6458-D0CA34A30B9B}"/>
-              </a:ext>
-            </a:extLst>
-          </p:cNvPr>
-          <p:cNvSpPr txBox="1"/>
-          <p:nvPr/>
-        </p:nvSpPr>
-        <p:spPr>
-          <a:xfrm>
-            <a:off x="8973136" y="3546040"/>
-            <a:ext cx="1455848" cy="646331"/>
-          </a:xfrm>
-          <a:prstGeom prst="rect">
-            <a:avLst/>
-          </a:prstGeom>
-          <a:noFill/>
-        </p:spPr>
-        <p:txBody>
-          <a:bodyPr wrap="none" rtlCol="0">
-            <a:spAutoFit/>
-          </a:bodyPr>
-          <a:lstStyle/>
-          <a:p>
-            <a:pPr algn="ctr"/>
-            <a:r>
-              <a:rPr lang="en-US" dirty="0">
-                <a:solidFill>
-                  <a:schemeClr val="bg2">
-                    <a:lumMod val="25000"/>
-                  </a:schemeClr>
-                </a:solidFill>
-                <a:latin typeface="Montserrat" panose="02000505000000020004" pitchFamily="2" charset="0"/>
-              </a:rPr>
-              <a:t>Transact.</a:t>
-            </a:r>
-          </a:p>
-          <a:p>
-            <a:pPr algn="ctr"/>
-            <a:r>
-              <a:rPr lang="en-US" dirty="0">
-                <a:solidFill>
-                  <a:schemeClr val="bg2">
-                    <a:lumMod val="25000"/>
-                  </a:schemeClr>
-                </a:solidFill>
-                <a:latin typeface="Montserrat" panose="02000505000000020004" pitchFamily="2" charset="0"/>
-              </a:rPr>
-              <a:t>Processing</a:t>
-            </a:r>
-          </a:p>
-        </p:txBody>
-      </p:sp>
-      <p:sp>
-        <p:nvSpPr>
-          <p:cNvPr id="8" name="ZoneTexte 7">
-            <a:extLst>
-              <a:ext uri="{FF2B5EF4-FFF2-40B4-BE49-F238E27FC236}">
-                <a16:creationId xmlns:a16="http://schemas.microsoft.com/office/drawing/2014/main" id="{823E6D8B-CF3D-8F6A-A69E-97ABD69C1119}"/>
-              </a:ext>
-            </a:extLst>
-          </p:cNvPr>
-          <p:cNvSpPr txBox="1"/>
-          <p:nvPr/>
-        </p:nvSpPr>
-        <p:spPr>
-          <a:xfrm>
-            <a:off x="10523662" y="5839602"/>
-            <a:ext cx="1098378" cy="646331"/>
-          </a:xfrm>
-          <a:prstGeom prst="rect">
-            <a:avLst/>
-          </a:prstGeom>
-          <a:noFill/>
-        </p:spPr>
-        <p:txBody>
-          <a:bodyPr wrap="none" rtlCol="0">
-            <a:spAutoFit/>
-          </a:bodyPr>
-          <a:lstStyle/>
-          <a:p>
-            <a:pPr algn="ctr"/>
-            <a:r>
-              <a:rPr lang="en-US" dirty="0">
-                <a:solidFill>
-                  <a:schemeClr val="bg2">
-                    <a:lumMod val="25000"/>
-                  </a:schemeClr>
-                </a:solidFill>
-                <a:latin typeface="Montserrat" panose="02000505000000020004" pitchFamily="2" charset="0"/>
-              </a:rPr>
-              <a:t>Data</a:t>
-            </a:r>
-          </a:p>
-          <a:p>
-            <a:pPr algn="ctr"/>
-            <a:r>
-              <a:rPr lang="en-US" dirty="0">
-                <a:solidFill>
-                  <a:schemeClr val="bg2">
-                    <a:lumMod val="25000"/>
-                  </a:schemeClr>
-                </a:solidFill>
-                <a:latin typeface="Montserrat" panose="02000505000000020004" pitchFamily="2" charset="0"/>
-              </a:rPr>
-              <a:t>Storage</a:t>
-            </a:r>
-          </a:p>
-        </p:txBody>
-      </p:sp>
-      <p:pic>
-        <p:nvPicPr>
-          <p:cNvPr id="11" name="Image 10">
-            <a:extLst>
-              <a:ext uri="{FF2B5EF4-FFF2-40B4-BE49-F238E27FC236}">
-                <a16:creationId xmlns:a16="http://schemas.microsoft.com/office/drawing/2014/main" id="{5AF05078-16D7-595B-EF6A-CC8BC8CF0549}"/>
-              </a:ext>
-            </a:extLst>
-          </p:cNvPr>
-          <p:cNvPicPr>
-            <a:picLocks noChangeAspect="1"/>
-          </p:cNvPicPr>
-          <p:nvPr/>
-        </p:nvPicPr>
-        <p:blipFill>
-          <a:blip r:embed="rId2">
-            <a:extLst>
-              <a:ext uri="{28A0092B-C50C-407E-A947-70E740481C1C}">
-                <a14:useLocalDpi xmlns:a14="http://schemas.microsoft.com/office/drawing/2010/main" val="0"/>
-              </a:ext>
-            </a:extLst>
-          </a:blip>
-          <a:stretch>
-            <a:fillRect/>
-          </a:stretch>
-        </p:blipFill>
-        <p:spPr>
-          <a:xfrm>
-            <a:off x="2864190" y="2490088"/>
-            <a:ext cx="761168" cy="761168"/>
-          </a:xfrm>
-          <a:prstGeom prst="rect">
-            <a:avLst/>
-          </a:prstGeom>
-        </p:spPr>
-      </p:pic>
-      <p:pic>
-        <p:nvPicPr>
-          <p:cNvPr id="13" name="Image 12">
-            <a:extLst>
-              <a:ext uri="{FF2B5EF4-FFF2-40B4-BE49-F238E27FC236}">
-                <a16:creationId xmlns:a16="http://schemas.microsoft.com/office/drawing/2014/main" id="{93326634-B276-030E-87F1-A892E05D7168}"/>
-              </a:ext>
-            </a:extLst>
-          </p:cNvPr>
-          <p:cNvPicPr>
-            <a:picLocks noChangeAspect="1"/>
-          </p:cNvPicPr>
-          <p:nvPr/>
-        </p:nvPicPr>
-        <p:blipFill>
-          <a:blip r:embed="rId3">
-            <a:extLst>
-              <a:ext uri="{28A0092B-C50C-407E-A947-70E740481C1C}">
-                <a14:useLocalDpi xmlns:a14="http://schemas.microsoft.com/office/drawing/2010/main" val="0"/>
-              </a:ext>
-            </a:extLst>
-          </a:blip>
-          <a:stretch>
-            <a:fillRect/>
-          </a:stretch>
-        </p:blipFill>
-        <p:spPr>
-          <a:xfrm>
-            <a:off x="2771716" y="4757885"/>
-            <a:ext cx="946116" cy="946116"/>
-          </a:xfrm>
-          <a:prstGeom prst="rect">
-            <a:avLst/>
-          </a:prstGeom>
-        </p:spPr>
-      </p:pic>
-      <p:pic>
-        <p:nvPicPr>
-          <p:cNvPr id="15" name="Image 14">
-            <a:extLst>
-              <a:ext uri="{FF2B5EF4-FFF2-40B4-BE49-F238E27FC236}">
-                <a16:creationId xmlns:a16="http://schemas.microsoft.com/office/drawing/2014/main" id="{D5CC16F7-7101-111C-9311-91BF53534FF9}"/>
-              </a:ext>
-            </a:extLst>
-          </p:cNvPr>
-          <p:cNvPicPr>
-            <a:picLocks noChangeAspect="1"/>
-          </p:cNvPicPr>
-          <p:nvPr/>
-        </p:nvPicPr>
-        <p:blipFill>
-          <a:blip r:embed="rId4">
-            <a:extLst>
-              <a:ext uri="{28A0092B-C50C-407E-A947-70E740481C1C}">
-                <a14:useLocalDpi xmlns:a14="http://schemas.microsoft.com/office/drawing/2010/main" val="0"/>
-              </a:ext>
-            </a:extLst>
-          </a:blip>
-          <a:stretch>
-            <a:fillRect/>
-          </a:stretch>
-        </p:blipFill>
-        <p:spPr>
-          <a:xfrm>
-            <a:off x="9142655" y="2426784"/>
-            <a:ext cx="887776" cy="887776"/>
-          </a:xfrm>
-          <a:prstGeom prst="rect">
-            <a:avLst/>
-          </a:prstGeom>
-        </p:spPr>
-      </p:pic>
-      <p:pic>
-        <p:nvPicPr>
-          <p:cNvPr id="17" name="Image 16">
-            <a:extLst>
-              <a:ext uri="{FF2B5EF4-FFF2-40B4-BE49-F238E27FC236}">
-                <a16:creationId xmlns:a16="http://schemas.microsoft.com/office/drawing/2014/main" id="{158DC317-13BB-FCAC-757B-213D25338ADC}"/>
-              </a:ext>
-            </a:extLst>
-          </p:cNvPr>
-          <p:cNvPicPr>
-            <a:picLocks noChangeAspect="1"/>
-          </p:cNvPicPr>
-          <p:nvPr/>
-        </p:nvPicPr>
-        <p:blipFill>
-          <a:blip r:embed="rId5">
-            <a:extLst>
-              <a:ext uri="{28A0092B-C50C-407E-A947-70E740481C1C}">
-                <a14:useLocalDpi xmlns:a14="http://schemas.microsoft.com/office/drawing/2010/main" val="0"/>
-              </a:ext>
-            </a:extLst>
-          </a:blip>
-          <a:stretch>
-            <a:fillRect/>
-          </a:stretch>
-        </p:blipFill>
-        <p:spPr>
-          <a:xfrm>
-            <a:off x="5945817" y="2379318"/>
-            <a:ext cx="982708" cy="982708"/>
-          </a:xfrm>
-          <a:prstGeom prst="rect">
-            <a:avLst/>
-          </a:prstGeom>
-        </p:spPr>
-      </p:pic>
-      <p:pic>
-        <p:nvPicPr>
-          <p:cNvPr id="19" name="Image 18">
-            <a:extLst>
-              <a:ext uri="{FF2B5EF4-FFF2-40B4-BE49-F238E27FC236}">
-                <a16:creationId xmlns:a16="http://schemas.microsoft.com/office/drawing/2014/main" id="{D939E7D2-0D7B-4B70-34EB-566758B19B2C}"/>
-              </a:ext>
-            </a:extLst>
-          </p:cNvPr>
-          <p:cNvPicPr>
-            <a:picLocks noChangeAspect="1"/>
-          </p:cNvPicPr>
-          <p:nvPr/>
-        </p:nvPicPr>
-        <p:blipFill>
-          <a:blip r:embed="rId6">
-            <a:extLst>
-              <a:ext uri="{28A0092B-C50C-407E-A947-70E740481C1C}">
-                <a14:useLocalDpi xmlns:a14="http://schemas.microsoft.com/office/drawing/2010/main" val="0"/>
-              </a:ext>
-            </a:extLst>
-          </a:blip>
-          <a:stretch>
-            <a:fillRect/>
-          </a:stretch>
-        </p:blipFill>
-        <p:spPr>
-          <a:xfrm>
-            <a:off x="10609323" y="4757885"/>
-            <a:ext cx="812698" cy="812698"/>
-          </a:xfrm>
-          <a:prstGeom prst="rect">
-            <a:avLst/>
-          </a:prstGeom>
-        </p:spPr>
-      </p:pic>
-      <p:sp>
-        <p:nvSpPr>
-          <p:cNvPr id="20" name="ZoneTexte 19">
-            <a:extLst>
-              <a:ext uri="{FF2B5EF4-FFF2-40B4-BE49-F238E27FC236}">
-                <a16:creationId xmlns:a16="http://schemas.microsoft.com/office/drawing/2014/main" id="{E0CC7301-EEC1-2B4E-5E09-E6693D929E76}"/>
-              </a:ext>
-            </a:extLst>
-          </p:cNvPr>
-          <p:cNvSpPr txBox="1"/>
-          <p:nvPr/>
-        </p:nvSpPr>
-        <p:spPr>
-          <a:xfrm>
-            <a:off x="2582573" y="5874170"/>
-            <a:ext cx="1324402" cy="646331"/>
-          </a:xfrm>
-          <a:prstGeom prst="rect">
-            <a:avLst/>
-          </a:prstGeom>
-          <a:noFill/>
-        </p:spPr>
-        <p:txBody>
-          <a:bodyPr wrap="none" rtlCol="0">
-            <a:spAutoFit/>
-          </a:bodyPr>
-          <a:lstStyle/>
-          <a:p>
-            <a:pPr algn="ctr"/>
-            <a:r>
-              <a:rPr lang="en-US" dirty="0">
-                <a:solidFill>
-                  <a:schemeClr val="bg2">
-                    <a:lumMod val="25000"/>
-                  </a:schemeClr>
-                </a:solidFill>
-                <a:latin typeface="Montserrat" panose="02000505000000020004" pitchFamily="2" charset="0"/>
-              </a:rPr>
-              <a:t>User</a:t>
-            </a:r>
-          </a:p>
-          <a:p>
-            <a:pPr algn="ctr"/>
-            <a:r>
-              <a:rPr lang="en-US" dirty="0">
-                <a:solidFill>
-                  <a:schemeClr val="bg2">
-                    <a:lumMod val="25000"/>
-                  </a:schemeClr>
-                </a:solidFill>
-                <a:latin typeface="Montserrat" panose="02000505000000020004" pitchFamily="2" charset="0"/>
-              </a:rPr>
-              <a:t>Feedback</a:t>
-            </a:r>
-          </a:p>
-        </p:txBody>
-      </p:sp>
-      <p:pic>
-        <p:nvPicPr>
-          <p:cNvPr id="25" name="Image 24">
-            <a:extLst>
-              <a:ext uri="{FF2B5EF4-FFF2-40B4-BE49-F238E27FC236}">
-                <a16:creationId xmlns:a16="http://schemas.microsoft.com/office/drawing/2014/main" id="{A3B95321-FDF4-F649-7A2B-E32375982DF6}"/>
-              </a:ext>
-            </a:extLst>
-          </p:cNvPr>
-          <p:cNvPicPr>
-            <a:picLocks noChangeAspect="1"/>
-          </p:cNvPicPr>
-          <p:nvPr/>
-        </p:nvPicPr>
-        <p:blipFill>
-          <a:blip r:embed="rId7">
-            <a:extLst>
-              <a:ext uri="{28A0092B-C50C-407E-A947-70E740481C1C}">
-                <a14:useLocalDpi xmlns:a14="http://schemas.microsoft.com/office/drawing/2010/main" val="0"/>
-              </a:ext>
-            </a:extLst>
-          </a:blip>
-          <a:stretch>
-            <a:fillRect/>
-          </a:stretch>
-        </p:blipFill>
-        <p:spPr>
-          <a:xfrm>
-            <a:off x="641389" y="2432149"/>
-            <a:ext cx="877047" cy="877047"/>
-          </a:xfrm>
-          <a:prstGeom prst="rect">
-            <a:avLst/>
-          </a:prstGeom>
-        </p:spPr>
-      </p:pic>
-      <p:cxnSp>
-        <p:nvCxnSpPr>
-          <p:cNvPr id="36" name="Connecteur droit avec flèche 35">
-            <a:extLst>
-              <a:ext uri="{FF2B5EF4-FFF2-40B4-BE49-F238E27FC236}">
-                <a16:creationId xmlns:a16="http://schemas.microsoft.com/office/drawing/2014/main" id="{15563F53-94C5-8FB4-F6F4-771A44E8B873}"/>
-              </a:ext>
-            </a:extLst>
-          </p:cNvPr>
-          <p:cNvCxnSpPr>
-            <a:cxnSpLocks/>
-          </p:cNvCxnSpPr>
-          <p:nvPr/>
-        </p:nvCxnSpPr>
-        <p:spPr>
-          <a:xfrm flipH="1">
-            <a:off x="3969273" y="2958476"/>
-            <a:ext cx="1614020" cy="0"/>
-          </a:xfrm>
-          <a:prstGeom prst="straightConnector1">
-            <a:avLst/>
-          </a:prstGeom>
-          <a:ln w="19050" cmpd="sng">
-            <a:solidFill>
-              <a:srgbClr val="68A2DF"/>
-            </a:solidFill>
-            <a:prstDash val="solid"/>
-            <a:tailEnd type="triangle"/>
-          </a:ln>
-        </p:spPr>
-        <p:style>
-          <a:lnRef idx="1">
-            <a:schemeClr val="accent1"/>
-          </a:lnRef>
-          <a:fillRef idx="0">
-            <a:schemeClr val="accent1"/>
-          </a:fillRef>
-          <a:effectRef idx="0">
-            <a:schemeClr val="accent1"/>
-          </a:effectRef>
-          <a:fontRef idx="minor">
-            <a:schemeClr val="tx1"/>
-          </a:fontRef>
-        </p:style>
-      </p:cxnSp>
-      <p:cxnSp>
-        <p:nvCxnSpPr>
-          <p:cNvPr id="39" name="Connecteur droit avec flèche 38">
-            <a:extLst>
-              <a:ext uri="{FF2B5EF4-FFF2-40B4-BE49-F238E27FC236}">
-                <a16:creationId xmlns:a16="http://schemas.microsoft.com/office/drawing/2014/main" id="{88ABB4B6-116A-469A-72C3-0FF5CDD25258}"/>
-              </a:ext>
-            </a:extLst>
-          </p:cNvPr>
-          <p:cNvCxnSpPr>
-            <a:cxnSpLocks/>
-          </p:cNvCxnSpPr>
-          <p:nvPr/>
-        </p:nvCxnSpPr>
-        <p:spPr>
-          <a:xfrm>
-            <a:off x="7261111" y="2711668"/>
-            <a:ext cx="1599952" cy="0"/>
-          </a:xfrm>
-          <a:prstGeom prst="straightConnector1">
-            <a:avLst/>
-          </a:prstGeom>
-          <a:ln w="19050" cmpd="sng">
-            <a:solidFill>
-              <a:srgbClr val="68A2DF"/>
-            </a:solidFill>
-            <a:prstDash val="solid"/>
-            <a:tailEnd type="triangle"/>
-          </a:ln>
-        </p:spPr>
-        <p:style>
-          <a:lnRef idx="1">
-            <a:schemeClr val="accent1"/>
-          </a:lnRef>
-          <a:fillRef idx="0">
-            <a:schemeClr val="accent1"/>
-          </a:fillRef>
-          <a:effectRef idx="0">
-            <a:schemeClr val="accent1"/>
-          </a:effectRef>
-          <a:fontRef idx="minor">
-            <a:schemeClr val="tx1"/>
-          </a:fontRef>
-        </p:style>
-      </p:cxnSp>
-      <p:cxnSp>
-        <p:nvCxnSpPr>
-          <p:cNvPr id="40" name="Connecteur droit avec flèche 39">
-            <a:extLst>
-              <a:ext uri="{FF2B5EF4-FFF2-40B4-BE49-F238E27FC236}">
-                <a16:creationId xmlns:a16="http://schemas.microsoft.com/office/drawing/2014/main" id="{A604FDB7-284E-EE10-3A18-56B3B9929869}"/>
-              </a:ext>
-            </a:extLst>
-          </p:cNvPr>
-          <p:cNvCxnSpPr>
-            <a:cxnSpLocks/>
-          </p:cNvCxnSpPr>
-          <p:nvPr/>
-        </p:nvCxnSpPr>
-        <p:spPr>
-          <a:xfrm flipH="1">
-            <a:off x="7247043" y="2958476"/>
-            <a:ext cx="1614020" cy="0"/>
-          </a:xfrm>
-          <a:prstGeom prst="straightConnector1">
-            <a:avLst/>
-          </a:prstGeom>
-          <a:ln w="19050" cmpd="sng">
-            <a:solidFill>
-              <a:srgbClr val="68A2DF"/>
-            </a:solidFill>
-            <a:prstDash val="solid"/>
-            <a:tailEnd type="triangle"/>
-          </a:ln>
-        </p:spPr>
-        <p:style>
-          <a:lnRef idx="1">
-            <a:schemeClr val="accent1"/>
-          </a:lnRef>
-          <a:fillRef idx="0">
-            <a:schemeClr val="accent1"/>
-          </a:fillRef>
-          <a:effectRef idx="0">
-            <a:schemeClr val="accent1"/>
-          </a:effectRef>
-          <a:fontRef idx="minor">
-            <a:schemeClr val="tx1"/>
-          </a:fontRef>
-        </p:style>
-      </p:cxnSp>
-      <p:sp>
-        <p:nvSpPr>
-          <p:cNvPr id="43" name="ZoneTexte 42">
-            <a:extLst>
-              <a:ext uri="{FF2B5EF4-FFF2-40B4-BE49-F238E27FC236}">
-                <a16:creationId xmlns:a16="http://schemas.microsoft.com/office/drawing/2014/main" id="{EA7EA55C-DB7E-90C5-F9BF-C2857B2A4485}"/>
-              </a:ext>
-            </a:extLst>
-          </p:cNvPr>
-          <p:cNvSpPr txBox="1"/>
-          <p:nvPr/>
-        </p:nvSpPr>
-        <p:spPr>
-          <a:xfrm>
-            <a:off x="723083" y="3546040"/>
-            <a:ext cx="713658" cy="369332"/>
-          </a:xfrm>
-          <a:prstGeom prst="rect">
-            <a:avLst/>
-          </a:prstGeom>
-          <a:noFill/>
-        </p:spPr>
-        <p:txBody>
-          <a:bodyPr wrap="none" rtlCol="0">
-            <a:spAutoFit/>
-          </a:bodyPr>
-          <a:lstStyle/>
-          <a:p>
-            <a:pPr algn="ctr"/>
-            <a:r>
-              <a:rPr lang="en-US" dirty="0">
-                <a:solidFill>
-                  <a:schemeClr val="bg2">
-                    <a:lumMod val="25000"/>
-                  </a:schemeClr>
-                </a:solidFill>
-                <a:latin typeface="Montserrat" panose="02000505000000020004" pitchFamily="2" charset="0"/>
-              </a:rPr>
-              <a:t>User</a:t>
-            </a:r>
-          </a:p>
-        </p:txBody>
-      </p:sp>
-      <p:cxnSp>
-        <p:nvCxnSpPr>
-          <p:cNvPr id="45" name="Connecteur : en angle 44">
-            <a:extLst>
-              <a:ext uri="{FF2B5EF4-FFF2-40B4-BE49-F238E27FC236}">
-                <a16:creationId xmlns:a16="http://schemas.microsoft.com/office/drawing/2014/main" id="{18A59D72-494A-2FB9-6E73-BC1DB8E9555A}"/>
-              </a:ext>
-            </a:extLst>
-          </p:cNvPr>
-          <p:cNvCxnSpPr>
-            <a:cxnSpLocks/>
-          </p:cNvCxnSpPr>
-          <p:nvPr/>
-        </p:nvCxnSpPr>
-        <p:spPr>
-          <a:xfrm rot="16200000" flipH="1">
-            <a:off x="9721643" y="3289093"/>
-            <a:ext cx="1807622" cy="783592"/>
-          </a:xfrm>
-          <a:prstGeom prst="bentConnector3">
-            <a:avLst>
-              <a:gd name="adj1" fmla="val 117"/>
-            </a:avLst>
-          </a:prstGeom>
-          <a:ln w="19050" cmpd="sng">
-            <a:solidFill>
-              <a:srgbClr val="68A2DF"/>
-            </a:solidFill>
-            <a:prstDash val="solid"/>
-            <a:tailEnd type="triangle"/>
-          </a:ln>
-        </p:spPr>
-        <p:style>
-          <a:lnRef idx="1">
-            <a:schemeClr val="accent1"/>
-          </a:lnRef>
-          <a:fillRef idx="0">
-            <a:schemeClr val="accent1"/>
-          </a:fillRef>
-          <a:effectRef idx="0">
-            <a:schemeClr val="accent1"/>
-          </a:effectRef>
-          <a:fontRef idx="minor">
-            <a:schemeClr val="tx1"/>
-          </a:fontRef>
-        </p:style>
-      </p:cxnSp>
-      <p:cxnSp>
-        <p:nvCxnSpPr>
-          <p:cNvPr id="56" name="Connecteur droit avec flèche 55">
-            <a:extLst>
-              <a:ext uri="{FF2B5EF4-FFF2-40B4-BE49-F238E27FC236}">
-                <a16:creationId xmlns:a16="http://schemas.microsoft.com/office/drawing/2014/main" id="{B9AC27D4-5C62-7FD7-14ED-C5963BCD0AAE}"/>
-              </a:ext>
-            </a:extLst>
-          </p:cNvPr>
-          <p:cNvCxnSpPr>
-            <a:cxnSpLocks/>
-          </p:cNvCxnSpPr>
-          <p:nvPr/>
-        </p:nvCxnSpPr>
-        <p:spPr>
-          <a:xfrm>
-            <a:off x="3997407" y="2711668"/>
-            <a:ext cx="1599952" cy="0"/>
-          </a:xfrm>
-          <a:prstGeom prst="straightConnector1">
-            <a:avLst/>
-          </a:prstGeom>
-          <a:ln w="19050" cmpd="sng">
-            <a:solidFill>
-              <a:srgbClr val="68A2DF"/>
-            </a:solidFill>
-            <a:prstDash val="solid"/>
-            <a:tailEnd type="triangle"/>
-          </a:ln>
-        </p:spPr>
-        <p:style>
-          <a:lnRef idx="1">
-            <a:schemeClr val="accent1"/>
-          </a:lnRef>
-          <a:fillRef idx="0">
-            <a:schemeClr val="accent1"/>
-          </a:fillRef>
-          <a:effectRef idx="0">
-            <a:schemeClr val="accent1"/>
-          </a:effectRef>
-          <a:fontRef idx="minor">
-            <a:schemeClr val="tx1"/>
-          </a:fontRef>
-        </p:style>
-      </p:cxnSp>
-      <p:cxnSp>
-        <p:nvCxnSpPr>
-          <p:cNvPr id="58" name="Connecteur : en angle 57">
-            <a:extLst>
-              <a:ext uri="{FF2B5EF4-FFF2-40B4-BE49-F238E27FC236}">
-                <a16:creationId xmlns:a16="http://schemas.microsoft.com/office/drawing/2014/main" id="{32963212-9CF2-65AF-7CA3-13C8E3D86E6D}"/>
-              </a:ext>
-            </a:extLst>
-          </p:cNvPr>
-          <p:cNvCxnSpPr/>
-          <p:nvPr/>
-        </p:nvCxnSpPr>
-        <p:spPr>
-          <a:xfrm>
-            <a:off x="1069145" y="4192371"/>
-            <a:ext cx="1513428" cy="1139284"/>
-          </a:xfrm>
-          <a:prstGeom prst="bentConnector3">
-            <a:avLst>
-              <a:gd name="adj1" fmla="val -1124"/>
-            </a:avLst>
-          </a:prstGeom>
-          <a:ln w="19050" cmpd="sng">
-            <a:solidFill>
-              <a:srgbClr val="68A2DF"/>
-            </a:solidFill>
-            <a:prstDash val="solid"/>
-            <a:tailEnd type="triangle"/>
-          </a:ln>
-        </p:spPr>
-        <p:style>
-          <a:lnRef idx="1">
-            <a:schemeClr val="accent1"/>
-          </a:lnRef>
-          <a:fillRef idx="0">
-            <a:schemeClr val="accent1"/>
-          </a:fillRef>
-          <a:effectRef idx="0">
-            <a:schemeClr val="accent1"/>
-          </a:effectRef>
-          <a:fontRef idx="minor">
-            <a:schemeClr val="tx1"/>
-          </a:fontRef>
-        </p:style>
-      </p:cxnSp>
-      <p:cxnSp>
-        <p:nvCxnSpPr>
-          <p:cNvPr id="61" name="Connecteur droit avec flèche 60">
-            <a:extLst>
-              <a:ext uri="{FF2B5EF4-FFF2-40B4-BE49-F238E27FC236}">
-                <a16:creationId xmlns:a16="http://schemas.microsoft.com/office/drawing/2014/main" id="{B0502AB6-A83A-7B51-9D2D-5C61B8BDFAE3}"/>
-              </a:ext>
-            </a:extLst>
-          </p:cNvPr>
-          <p:cNvCxnSpPr/>
-          <p:nvPr/>
-        </p:nvCxnSpPr>
-        <p:spPr>
-          <a:xfrm>
-            <a:off x="3906975" y="5331655"/>
-            <a:ext cx="6522009" cy="0"/>
-          </a:xfrm>
-          <a:prstGeom prst="straightConnector1">
-            <a:avLst/>
-          </a:prstGeom>
-          <a:ln w="19050" cmpd="sng">
-            <a:solidFill>
-              <a:srgbClr val="68A2DF"/>
-            </a:solidFill>
-            <a:prstDash val="solid"/>
-            <a:tailEnd type="triangle"/>
-          </a:ln>
-        </p:spPr>
-        <p:style>
-          <a:lnRef idx="1">
-            <a:schemeClr val="accent1"/>
-          </a:lnRef>
-          <a:fillRef idx="0">
-            <a:schemeClr val="accent1"/>
-          </a:fillRef>
-          <a:effectRef idx="0">
-            <a:schemeClr val="accent1"/>
-          </a:effectRef>
-          <a:fontRef idx="minor">
-            <a:schemeClr val="tx1"/>
-          </a:fontRef>
-        </p:style>
-      </p:cxnSp>
-      <p:cxnSp>
-        <p:nvCxnSpPr>
-          <p:cNvPr id="62" name="Connecteur droit avec flèche 61">
-            <a:extLst>
-              <a:ext uri="{FF2B5EF4-FFF2-40B4-BE49-F238E27FC236}">
-                <a16:creationId xmlns:a16="http://schemas.microsoft.com/office/drawing/2014/main" id="{9643B42F-ED7E-4246-2DB4-A9D063DF2BD3}"/>
-              </a:ext>
-            </a:extLst>
-          </p:cNvPr>
-          <p:cNvCxnSpPr>
-            <a:cxnSpLocks/>
-          </p:cNvCxnSpPr>
-          <p:nvPr/>
-        </p:nvCxnSpPr>
-        <p:spPr>
-          <a:xfrm flipH="1">
-            <a:off x="1746580" y="2958476"/>
-            <a:ext cx="807857" cy="0"/>
-          </a:xfrm>
-          <a:prstGeom prst="straightConnector1">
-            <a:avLst/>
-          </a:prstGeom>
-          <a:ln w="19050" cmpd="sng">
-            <a:solidFill>
-              <a:srgbClr val="68A2DF"/>
-            </a:solidFill>
-            <a:prstDash val="solid"/>
-            <a:tailEnd type="triangle"/>
-          </a:ln>
-        </p:spPr>
-        <p:style>
-          <a:lnRef idx="1">
-            <a:schemeClr val="accent1"/>
-          </a:lnRef>
-          <a:fillRef idx="0">
-            <a:schemeClr val="accent1"/>
-          </a:fillRef>
-          <a:effectRef idx="0">
-            <a:schemeClr val="accent1"/>
-          </a:effectRef>
-          <a:fontRef idx="minor">
-            <a:schemeClr val="tx1"/>
-          </a:fontRef>
-        </p:style>
-      </p:cxnSp>
-      <p:cxnSp>
-        <p:nvCxnSpPr>
-          <p:cNvPr id="63" name="Connecteur droit avec flèche 62">
-            <a:extLst>
-              <a:ext uri="{FF2B5EF4-FFF2-40B4-BE49-F238E27FC236}">
-                <a16:creationId xmlns:a16="http://schemas.microsoft.com/office/drawing/2014/main" id="{6C68DEB5-1E37-6BAF-795F-95BF1FEA5B69}"/>
-              </a:ext>
-            </a:extLst>
-          </p:cNvPr>
-          <p:cNvCxnSpPr>
-            <a:cxnSpLocks/>
-          </p:cNvCxnSpPr>
-          <p:nvPr/>
-        </p:nvCxnSpPr>
-        <p:spPr>
-          <a:xfrm>
-            <a:off x="1774714" y="2711668"/>
-            <a:ext cx="779723" cy="0"/>
-          </a:xfrm>
-          <a:prstGeom prst="straightConnector1">
-            <a:avLst/>
-          </a:prstGeom>
-          <a:ln w="19050" cmpd="sng">
-            <a:solidFill>
-              <a:srgbClr val="68A2DF"/>
-            </a:solidFill>
-            <a:prstDash val="solid"/>
-            <a:tailEnd type="triangle"/>
-          </a:ln>
-        </p:spPr>
-        <p:style>
-          <a:lnRef idx="1">
-            <a:schemeClr val="accent1"/>
-          </a:lnRef>
-          <a:fillRef idx="0">
-            <a:schemeClr val="accent1"/>
-          </a:fillRef>
-          <a:effectRef idx="0">
-            <a:schemeClr val="accent1"/>
-          </a:effectRef>
-          <a:fontRef idx="minor">
-            <a:schemeClr val="tx1"/>
-          </a:fontRef>
-        </p:style>
-      </p:cxnSp>
-      <p:sp>
-        <p:nvSpPr>
-          <p:cNvPr id="75" name="Ellipse 74">
-            <a:extLst>
-              <a:ext uri="{FF2B5EF4-FFF2-40B4-BE49-F238E27FC236}">
-                <a16:creationId xmlns:a16="http://schemas.microsoft.com/office/drawing/2014/main" id="{DC730025-C023-7EC7-9630-B41EF6538AEC}"/>
-              </a:ext>
-            </a:extLst>
-          </p:cNvPr>
-          <p:cNvSpPr/>
-          <p:nvPr/>
-        </p:nvSpPr>
-        <p:spPr>
-          <a:xfrm>
-            <a:off x="1967427" y="2204506"/>
-            <a:ext cx="388283" cy="388283"/>
-          </a:xfrm>
-          <a:prstGeom prst="ellipse">
-            <a:avLst/>
-          </a:prstGeom>
-          <a:solidFill>
-            <a:srgbClr val="68A2DF"/>
-          </a:solidFill>
-          <a:ln>
-            <a:noFill/>
-          </a:ln>
-        </p:spPr>
-        <p:style>
-          <a:lnRef idx="2">
-            <a:schemeClr val="accent1">
-              <a:shade val="15000"/>
-            </a:schemeClr>
-          </a:lnRef>
-          <a:fillRef idx="1">
-            <a:schemeClr val="accent1"/>
-          </a:fillRef>
-          <a:effectRef idx="0">
-            <a:schemeClr val="accent1"/>
-          </a:effectRef>
-          <a:fontRef idx="minor">
-            <a:schemeClr val="lt1"/>
-          </a:fontRef>
-        </p:style>
-        <p:txBody>
-          <a:bodyPr rtlCol="0" anchor="ctr"/>
-          <a:lstStyle/>
-          <a:p>
-            <a:pPr algn="ctr"/>
-            <a:r>
-              <a:rPr lang="en-US" sz="2200" dirty="0">
-                <a:latin typeface="Montserrat" panose="02000505000000020004" pitchFamily="2" charset="0"/>
-              </a:rPr>
-              <a:t>1</a:t>
-            </a:r>
-          </a:p>
-        </p:txBody>
-      </p:sp>
-      <p:sp>
-        <p:nvSpPr>
-          <p:cNvPr id="76" name="Ellipse 75">
-            <a:extLst>
-              <a:ext uri="{FF2B5EF4-FFF2-40B4-BE49-F238E27FC236}">
-                <a16:creationId xmlns:a16="http://schemas.microsoft.com/office/drawing/2014/main" id="{FD9FCAC6-90C5-8504-AFB1-61BB1FAE04BD}"/>
-              </a:ext>
-            </a:extLst>
-          </p:cNvPr>
-          <p:cNvSpPr/>
-          <p:nvPr/>
-        </p:nvSpPr>
-        <p:spPr>
-          <a:xfrm>
-            <a:off x="4612153" y="2204506"/>
-            <a:ext cx="388283" cy="388283"/>
-          </a:xfrm>
-          <a:prstGeom prst="ellipse">
-            <a:avLst/>
-          </a:prstGeom>
-          <a:solidFill>
-            <a:srgbClr val="68A2DF"/>
-          </a:solidFill>
-          <a:ln>
-            <a:noFill/>
-          </a:ln>
-        </p:spPr>
-        <p:style>
-          <a:lnRef idx="2">
-            <a:schemeClr val="accent1">
-              <a:shade val="15000"/>
-            </a:schemeClr>
-          </a:lnRef>
-          <a:fillRef idx="1">
-            <a:schemeClr val="accent1"/>
-          </a:fillRef>
-          <a:effectRef idx="0">
-            <a:schemeClr val="accent1"/>
-          </a:effectRef>
-          <a:fontRef idx="minor">
-            <a:schemeClr val="lt1"/>
-          </a:fontRef>
-        </p:style>
-        <p:txBody>
-          <a:bodyPr rtlCol="0" anchor="ctr"/>
-          <a:lstStyle/>
-          <a:p>
-            <a:pPr algn="ctr"/>
-            <a:r>
-              <a:rPr lang="en-US" sz="2200" dirty="0">
-                <a:latin typeface="Montserrat" panose="02000505000000020004" pitchFamily="2" charset="0"/>
-              </a:rPr>
-              <a:t>2</a:t>
-            </a:r>
-          </a:p>
-        </p:txBody>
-      </p:sp>
-      <p:sp>
-        <p:nvSpPr>
-          <p:cNvPr id="77" name="Ellipse 76">
-            <a:extLst>
-              <a:ext uri="{FF2B5EF4-FFF2-40B4-BE49-F238E27FC236}">
-                <a16:creationId xmlns:a16="http://schemas.microsoft.com/office/drawing/2014/main" id="{ADACB2C2-1119-4CF4-5133-1D0B99BD4C82}"/>
-              </a:ext>
-            </a:extLst>
-          </p:cNvPr>
-          <p:cNvSpPr/>
-          <p:nvPr/>
-        </p:nvSpPr>
-        <p:spPr>
-          <a:xfrm>
-            <a:off x="7805519" y="2204506"/>
-            <a:ext cx="388283" cy="388283"/>
-          </a:xfrm>
-          <a:prstGeom prst="ellipse">
-            <a:avLst/>
-          </a:prstGeom>
-          <a:solidFill>
-            <a:srgbClr val="68A2DF"/>
-          </a:solidFill>
-          <a:ln>
-            <a:noFill/>
-          </a:ln>
-        </p:spPr>
-        <p:style>
-          <a:lnRef idx="2">
-            <a:schemeClr val="accent1">
-              <a:shade val="15000"/>
-            </a:schemeClr>
-          </a:lnRef>
-          <a:fillRef idx="1">
-            <a:schemeClr val="accent1"/>
-          </a:fillRef>
-          <a:effectRef idx="0">
-            <a:schemeClr val="accent1"/>
-          </a:effectRef>
-          <a:fontRef idx="minor">
-            <a:schemeClr val="lt1"/>
-          </a:fontRef>
-        </p:style>
-        <p:txBody>
-          <a:bodyPr rtlCol="0" anchor="ctr"/>
-          <a:lstStyle/>
-          <a:p>
-            <a:pPr algn="ctr"/>
-            <a:r>
-              <a:rPr lang="en-US" sz="2200" dirty="0">
-                <a:latin typeface="Montserrat" panose="02000505000000020004" pitchFamily="2" charset="0"/>
-              </a:rPr>
-              <a:t>3</a:t>
-            </a:r>
-          </a:p>
-        </p:txBody>
-      </p:sp>
-      <p:sp>
-        <p:nvSpPr>
-          <p:cNvPr id="78" name="Ellipse 77">
-            <a:extLst>
-              <a:ext uri="{FF2B5EF4-FFF2-40B4-BE49-F238E27FC236}">
-                <a16:creationId xmlns:a16="http://schemas.microsoft.com/office/drawing/2014/main" id="{339D6791-2E57-4D0D-56B5-2E5A208C2310}"/>
-              </a:ext>
-            </a:extLst>
-          </p:cNvPr>
-          <p:cNvSpPr/>
-          <p:nvPr/>
-        </p:nvSpPr>
-        <p:spPr>
-          <a:xfrm>
-            <a:off x="11191396" y="3472185"/>
-            <a:ext cx="388283" cy="388283"/>
-          </a:xfrm>
-          <a:prstGeom prst="ellipse">
-            <a:avLst/>
-          </a:prstGeom>
-          <a:solidFill>
-            <a:srgbClr val="68A2DF"/>
-          </a:solidFill>
-          <a:ln>
-            <a:noFill/>
-          </a:ln>
-        </p:spPr>
-        <p:style>
-          <a:lnRef idx="2">
-            <a:schemeClr val="accent1">
-              <a:shade val="15000"/>
-            </a:schemeClr>
-          </a:lnRef>
-          <a:fillRef idx="1">
-            <a:schemeClr val="accent1"/>
-          </a:fillRef>
-          <a:effectRef idx="0">
-            <a:schemeClr val="accent1"/>
-          </a:effectRef>
-          <a:fontRef idx="minor">
-            <a:schemeClr val="lt1"/>
-          </a:fontRef>
-        </p:style>
-        <p:txBody>
-          <a:bodyPr rtlCol="0" anchor="ctr"/>
-          <a:lstStyle/>
-          <a:p>
-            <a:pPr algn="ctr"/>
-            <a:r>
-              <a:rPr lang="en-US" sz="2200" dirty="0">
-                <a:latin typeface="Montserrat" panose="02000505000000020004" pitchFamily="2" charset="0"/>
-              </a:rPr>
-              <a:t>4</a:t>
-            </a:r>
-          </a:p>
-        </p:txBody>
-      </p:sp>
-      <p:sp>
-        <p:nvSpPr>
-          <p:cNvPr id="79" name="Ellipse 78">
-            <a:extLst>
-              <a:ext uri="{FF2B5EF4-FFF2-40B4-BE49-F238E27FC236}">
-                <a16:creationId xmlns:a16="http://schemas.microsoft.com/office/drawing/2014/main" id="{2D8CCE7D-5B86-1250-E255-6700B995FDBA}"/>
-              </a:ext>
-            </a:extLst>
-          </p:cNvPr>
-          <p:cNvSpPr/>
-          <p:nvPr/>
-        </p:nvSpPr>
-        <p:spPr>
-          <a:xfrm>
-            <a:off x="7805519" y="3062635"/>
-            <a:ext cx="388283" cy="388283"/>
-          </a:xfrm>
-          <a:prstGeom prst="ellipse">
-            <a:avLst/>
-          </a:prstGeom>
-          <a:solidFill>
-            <a:srgbClr val="68A2DF"/>
-          </a:solidFill>
-          <a:ln>
-            <a:noFill/>
-          </a:ln>
-        </p:spPr>
-        <p:style>
-          <a:lnRef idx="2">
-            <a:schemeClr val="accent1">
-              <a:shade val="15000"/>
-            </a:schemeClr>
-          </a:lnRef>
-          <a:fillRef idx="1">
-            <a:schemeClr val="accent1"/>
-          </a:fillRef>
-          <a:effectRef idx="0">
-            <a:schemeClr val="accent1"/>
-          </a:effectRef>
-          <a:fontRef idx="minor">
-            <a:schemeClr val="lt1"/>
-          </a:fontRef>
-        </p:style>
-        <p:txBody>
-          <a:bodyPr rtlCol="0" anchor="ctr"/>
-          <a:lstStyle/>
-          <a:p>
-            <a:pPr algn="ctr"/>
-            <a:r>
-              <a:rPr lang="en-US" sz="2200" dirty="0">
-                <a:latin typeface="Montserrat" panose="02000505000000020004" pitchFamily="2" charset="0"/>
-              </a:rPr>
-              <a:t>5</a:t>
-            </a:r>
-          </a:p>
-        </p:txBody>
-      </p:sp>
-      <p:sp>
-        <p:nvSpPr>
-          <p:cNvPr id="81" name="Ellipse 80">
-            <a:extLst>
-              <a:ext uri="{FF2B5EF4-FFF2-40B4-BE49-F238E27FC236}">
-                <a16:creationId xmlns:a16="http://schemas.microsoft.com/office/drawing/2014/main" id="{A197E190-B678-AF73-6D59-7B911FC3CEEA}"/>
-              </a:ext>
-            </a:extLst>
-          </p:cNvPr>
-          <p:cNvSpPr/>
-          <p:nvPr/>
-        </p:nvSpPr>
-        <p:spPr>
-          <a:xfrm>
-            <a:off x="4612153" y="3062635"/>
-            <a:ext cx="388283" cy="388283"/>
-          </a:xfrm>
-          <a:prstGeom prst="ellipse">
-            <a:avLst/>
-          </a:prstGeom>
-          <a:solidFill>
-            <a:srgbClr val="68A2DF"/>
-          </a:solidFill>
-          <a:ln>
-            <a:noFill/>
-          </a:ln>
-        </p:spPr>
-        <p:style>
-          <a:lnRef idx="2">
-            <a:schemeClr val="accent1">
-              <a:shade val="15000"/>
-            </a:schemeClr>
-          </a:lnRef>
-          <a:fillRef idx="1">
-            <a:schemeClr val="accent1"/>
-          </a:fillRef>
-          <a:effectRef idx="0">
-            <a:schemeClr val="accent1"/>
-          </a:effectRef>
-          <a:fontRef idx="minor">
-            <a:schemeClr val="lt1"/>
-          </a:fontRef>
-        </p:style>
-        <p:txBody>
-          <a:bodyPr rtlCol="0" anchor="ctr"/>
-          <a:lstStyle/>
-          <a:p>
-            <a:pPr algn="ctr"/>
-            <a:r>
-              <a:rPr lang="en-US" sz="2200" dirty="0">
-                <a:latin typeface="Montserrat" panose="02000505000000020004" pitchFamily="2" charset="0"/>
-              </a:rPr>
-              <a:t>6</a:t>
-            </a:r>
-          </a:p>
-        </p:txBody>
-      </p:sp>
-      <p:sp>
-        <p:nvSpPr>
-          <p:cNvPr id="82" name="Ellipse 81">
-            <a:extLst>
-              <a:ext uri="{FF2B5EF4-FFF2-40B4-BE49-F238E27FC236}">
-                <a16:creationId xmlns:a16="http://schemas.microsoft.com/office/drawing/2014/main" id="{BC2BAC3B-3A77-F7ED-2A12-EF365D46B5A9}"/>
-              </a:ext>
-            </a:extLst>
-          </p:cNvPr>
-          <p:cNvSpPr/>
-          <p:nvPr/>
-        </p:nvSpPr>
-        <p:spPr>
-          <a:xfrm>
-            <a:off x="1981494" y="3062635"/>
-            <a:ext cx="388283" cy="388283"/>
-          </a:xfrm>
-          <a:prstGeom prst="ellipse">
-            <a:avLst/>
-          </a:prstGeom>
-          <a:solidFill>
-            <a:srgbClr val="68A2DF"/>
-          </a:solidFill>
-          <a:ln>
-            <a:noFill/>
-          </a:ln>
-        </p:spPr>
-        <p:style>
-          <a:lnRef idx="2">
-            <a:schemeClr val="accent1">
-              <a:shade val="15000"/>
-            </a:schemeClr>
-          </a:lnRef>
-          <a:fillRef idx="1">
-            <a:schemeClr val="accent1"/>
-          </a:fillRef>
-          <a:effectRef idx="0">
-            <a:schemeClr val="accent1"/>
-          </a:effectRef>
-          <a:fontRef idx="minor">
-            <a:schemeClr val="lt1"/>
-          </a:fontRef>
-        </p:style>
-        <p:txBody>
-          <a:bodyPr rtlCol="0" anchor="ctr"/>
-          <a:lstStyle/>
-          <a:p>
-            <a:pPr algn="ctr"/>
-            <a:r>
-              <a:rPr lang="en-US" sz="2200" dirty="0">
-                <a:latin typeface="Montserrat" panose="02000505000000020004" pitchFamily="2" charset="0"/>
-              </a:rPr>
-              <a:t>7</a:t>
-            </a:r>
-          </a:p>
-        </p:txBody>
-      </p:sp>
-      <p:sp>
-        <p:nvSpPr>
-          <p:cNvPr id="83" name="Ellipse 82">
-            <a:extLst>
-              <a:ext uri="{FF2B5EF4-FFF2-40B4-BE49-F238E27FC236}">
-                <a16:creationId xmlns:a16="http://schemas.microsoft.com/office/drawing/2014/main" id="{5D3251E4-2EBB-C420-4652-CDF03AE4B013}"/>
-              </a:ext>
-            </a:extLst>
-          </p:cNvPr>
-          <p:cNvSpPr/>
-          <p:nvPr/>
-        </p:nvSpPr>
-        <p:spPr>
-          <a:xfrm>
-            <a:off x="1545396" y="5397871"/>
-            <a:ext cx="388283" cy="388283"/>
-          </a:xfrm>
-          <a:prstGeom prst="ellipse">
-            <a:avLst/>
-          </a:prstGeom>
-          <a:solidFill>
-            <a:srgbClr val="68A2DF"/>
-          </a:solidFill>
-          <a:ln>
-            <a:noFill/>
-          </a:ln>
-        </p:spPr>
-        <p:style>
-          <a:lnRef idx="2">
-            <a:schemeClr val="accent1">
-              <a:shade val="15000"/>
-            </a:schemeClr>
-          </a:lnRef>
-          <a:fillRef idx="1">
-            <a:schemeClr val="accent1"/>
-          </a:fillRef>
-          <a:effectRef idx="0">
-            <a:schemeClr val="accent1"/>
-          </a:effectRef>
-          <a:fontRef idx="minor">
-            <a:schemeClr val="lt1"/>
-          </a:fontRef>
-        </p:style>
-        <p:txBody>
-          <a:bodyPr rtlCol="0" anchor="ctr"/>
-          <a:lstStyle/>
-          <a:p>
-            <a:pPr algn="ctr"/>
-            <a:r>
-              <a:rPr lang="en-US" sz="2200" dirty="0">
-                <a:latin typeface="Montserrat" panose="02000505000000020004" pitchFamily="2" charset="0"/>
-              </a:rPr>
-              <a:t>8</a:t>
-            </a:r>
-          </a:p>
-        </p:txBody>
-      </p:sp>
-      <p:sp>
-        <p:nvSpPr>
-          <p:cNvPr id="84" name="Ellipse 83">
-            <a:extLst>
-              <a:ext uri="{FF2B5EF4-FFF2-40B4-BE49-F238E27FC236}">
-                <a16:creationId xmlns:a16="http://schemas.microsoft.com/office/drawing/2014/main" id="{61A93EF5-B07E-B18F-2819-993CE03BA23C}"/>
-              </a:ext>
-            </a:extLst>
-          </p:cNvPr>
-          <p:cNvSpPr/>
-          <p:nvPr/>
-        </p:nvSpPr>
-        <p:spPr>
-          <a:xfrm>
-            <a:off x="6734383" y="5397871"/>
-            <a:ext cx="388283" cy="388283"/>
-          </a:xfrm>
-          <a:prstGeom prst="ellipse">
-            <a:avLst/>
-          </a:prstGeom>
-          <a:solidFill>
-            <a:srgbClr val="68A2DF"/>
-          </a:solidFill>
-          <a:ln>
-            <a:noFill/>
-          </a:ln>
-        </p:spPr>
-        <p:style>
-          <a:lnRef idx="2">
-            <a:schemeClr val="accent1">
-              <a:shade val="15000"/>
-            </a:schemeClr>
-          </a:lnRef>
-          <a:fillRef idx="1">
-            <a:schemeClr val="accent1"/>
-          </a:fillRef>
-          <a:effectRef idx="0">
-            <a:schemeClr val="accent1"/>
-          </a:effectRef>
-          <a:fontRef idx="minor">
-            <a:schemeClr val="lt1"/>
-          </a:fontRef>
-        </p:style>
-        <p:txBody>
-          <a:bodyPr rtlCol="0" anchor="ctr"/>
-          <a:lstStyle/>
-          <a:p>
-            <a:pPr algn="ctr"/>
-            <a:r>
-              <a:rPr lang="en-US" sz="2200" dirty="0">
-                <a:latin typeface="Montserrat" panose="02000505000000020004" pitchFamily="2" charset="0"/>
-              </a:rPr>
-              <a:t>9</a:t>
-            </a:r>
-          </a:p>
-        </p:txBody>
-      </p:sp>
-    </p:spTree>
-    <p:extLst>
-      <p:ext uri="{BB962C8B-B14F-4D97-AF65-F5344CB8AC3E}">
-        <p14:creationId xmlns:p14="http://schemas.microsoft.com/office/powerpoint/2010/main" val="4167614214"/>
-      </p:ext>
-    </p:extLst>
-  </p:cSld>
-  <p:clrMapOvr>
-    <a:masterClrMapping/>
-  </p:clrMapOvr>
-  <mc:AlternateContent xmlns:mc="http://schemas.openxmlformats.org/markup-compatibility/2006" xmlns:p159="http://schemas.microsoft.com/office/powerpoint/2015/09/main">
-    <mc:Choice Requires="p159">
-      <p:transition xmlns:p14="http://schemas.microsoft.com/office/powerpoint/2010/main" spd="slow" p14:dur="2000">
-        <p159:morph option="byObject"/>
-      </p:transition>
-    </mc:Choice>
-    <mc:Fallback xmlns="">
-      <p:transition spd="slow">
-        <p:fade/>
-      </p:transition>
-    </mc:Fallback>
-  </mc:AlternateContent>
-</p:sld>
-</file>
-
-<file path=ppt/slides/slide8.xml><?xml version="1.0" encoding="utf-8"?>
-<p:sld xmlns:a="http://schemas.openxmlformats.org/drawingml/2006/main" xmlns:r="http://schemas.openxmlformats.org/officeDocument/2006/relationships" xmlns:p="http://schemas.openxmlformats.org/presentationml/2006/main">
-  <p:cSld>
-    <p:spTree>
-      <p:nvGrpSpPr>
-        <p:cNvPr id="1" name=""/>
-        <p:cNvGrpSpPr/>
-        <p:nvPr/>
-      </p:nvGrpSpPr>
-      <p:grpSpPr>
-        <a:xfrm>
-          <a:off x="0" y="0"/>
-          <a:ext cx="0" cy="0"/>
-          <a:chOff x="0" y="0"/>
-          <a:chExt cx="0" cy="0"/>
-        </a:xfrm>
-      </p:grpSpPr>
-      <p:sp>
-        <p:nvSpPr>
-          <p:cNvPr id="2" name="Titre 1">
-            <a:extLst>
-              <a:ext uri="{FF2B5EF4-FFF2-40B4-BE49-F238E27FC236}">
-                <a16:creationId xmlns:a16="http://schemas.microsoft.com/office/drawing/2014/main" id="{CF8D4AC6-9882-0784-F1FE-1B8AFAFC3595}"/>
-              </a:ext>
-            </a:extLst>
-          </p:cNvPr>
-          <p:cNvSpPr>
-            <a:spLocks noGrp="1"/>
-          </p:cNvSpPr>
-          <p:nvPr>
-            <p:ph type="ctrTitle"/>
-          </p:nvPr>
-        </p:nvSpPr>
-        <p:spPr>
-          <a:xfrm>
-            <a:off x="-239842" y="404734"/>
-            <a:ext cx="12431842" cy="982708"/>
-          </a:xfrm>
-        </p:spPr>
-        <p:txBody>
-          <a:bodyPr>
-            <a:noAutofit/>
-          </a:bodyPr>
-          <a:lstStyle/>
-          <a:p>
-            <a:r>
-              <a:rPr lang="en-US" sz="4800" dirty="0">
-                <a:gradFill>
-                  <a:gsLst>
-                    <a:gs pos="0">
-                      <a:srgbClr val="1E77B8"/>
-                    </a:gs>
-                    <a:gs pos="52000">
-                      <a:srgbClr val="00B0F0"/>
-                    </a:gs>
-                    <a:gs pos="100000">
-                      <a:srgbClr val="1D77B8"/>
-                    </a:gs>
-                  </a:gsLst>
-                  <a:lin ang="11400000" scaled="0"/>
-                </a:gradFill>
-                <a:latin typeface="LEMON MILK Medium" panose="00000600000000000000" pitchFamily="50" charset="0"/>
-              </a:rPr>
-              <a:t>TECHNICAL architecture</a:t>
-            </a:r>
-          </a:p>
-        </p:txBody>
-      </p:sp>
-      <p:pic>
-        <p:nvPicPr>
-          <p:cNvPr id="7" name="Image 6">
-            <a:extLst>
-              <a:ext uri="{FF2B5EF4-FFF2-40B4-BE49-F238E27FC236}">
-                <a16:creationId xmlns:a16="http://schemas.microsoft.com/office/drawing/2014/main" id="{D04CAA33-FF2F-EB5D-93DF-B534B03BA5A4}"/>
-              </a:ext>
-            </a:extLst>
-          </p:cNvPr>
-          <p:cNvPicPr>
-            <a:picLocks noChangeAspect="1"/>
-          </p:cNvPicPr>
-          <p:nvPr/>
-        </p:nvPicPr>
-        <p:blipFill rotWithShape="1">
-          <a:blip r:embed="rId2">
-            <a:alphaModFix amt="10000"/>
-            <a:extLst>
-              <a:ext uri="{28A0092B-C50C-407E-A947-70E740481C1C}">
-                <a14:useLocalDpi xmlns:a14="http://schemas.microsoft.com/office/drawing/2010/main" val="0"/>
-              </a:ext>
-            </a:extLst>
-          </a:blip>
-          <a:srcRect l="3734" r="736" b="-1765"/>
-          <a:stretch/>
-        </p:blipFill>
-        <p:spPr>
-          <a:xfrm rot="15544767">
-            <a:off x="4301021" y="-2552377"/>
-            <a:ext cx="11458770" cy="8745737"/>
-          </a:xfrm>
-          <a:prstGeom prst="rect">
-            <a:avLst/>
-          </a:prstGeom>
-        </p:spPr>
-      </p:pic>
-      <p:sp>
-        <p:nvSpPr>
-          <p:cNvPr id="4" name="ZoneTexte 3">
-            <a:extLst>
-              <a:ext uri="{FF2B5EF4-FFF2-40B4-BE49-F238E27FC236}">
-                <a16:creationId xmlns:a16="http://schemas.microsoft.com/office/drawing/2014/main" id="{E86331E0-3A85-CF50-51C9-8F1D86722E3D}"/>
-              </a:ext>
-            </a:extLst>
-          </p:cNvPr>
-          <p:cNvSpPr txBox="1"/>
-          <p:nvPr/>
-        </p:nvSpPr>
-        <p:spPr>
-          <a:xfrm>
-            <a:off x="2436279" y="5874331"/>
-            <a:ext cx="1237839" cy="646331"/>
-          </a:xfrm>
-          <a:prstGeom prst="rect">
-            <a:avLst/>
-          </a:prstGeom>
-          <a:noFill/>
-        </p:spPr>
-        <p:txBody>
-          <a:bodyPr wrap="none" rtlCol="0">
-            <a:spAutoFit/>
-          </a:bodyPr>
-          <a:lstStyle/>
-          <a:p>
-            <a:pPr algn="ctr"/>
-            <a:r>
-              <a:rPr lang="en-US" dirty="0">
-                <a:solidFill>
-                  <a:schemeClr val="bg2">
-                    <a:lumMod val="25000"/>
-                  </a:schemeClr>
-                </a:solidFill>
-                <a:latin typeface="Montserrat" panose="02000505000000020004" pitchFamily="2" charset="0"/>
-              </a:rPr>
-              <a:t>User</a:t>
-            </a:r>
-          </a:p>
-          <a:p>
-            <a:pPr algn="ctr"/>
-            <a:r>
-              <a:rPr lang="en-US" dirty="0">
-                <a:solidFill>
-                  <a:schemeClr val="bg2">
-                    <a:lumMod val="25000"/>
-                  </a:schemeClr>
-                </a:solidFill>
-                <a:latin typeface="Montserrat" panose="02000505000000020004" pitchFamily="2" charset="0"/>
-              </a:rPr>
-              <a:t>Interface</a:t>
-            </a:r>
-          </a:p>
-        </p:txBody>
-      </p:sp>
-      <p:sp>
-        <p:nvSpPr>
-          <p:cNvPr id="5" name="ZoneTexte 4">
-            <a:extLst>
-              <a:ext uri="{FF2B5EF4-FFF2-40B4-BE49-F238E27FC236}">
-                <a16:creationId xmlns:a16="http://schemas.microsoft.com/office/drawing/2014/main" id="{A684B1F6-6F9A-72B2-ACA9-B1ADB71101BE}"/>
-              </a:ext>
-            </a:extLst>
-          </p:cNvPr>
-          <p:cNvSpPr txBox="1"/>
-          <p:nvPr/>
-        </p:nvSpPr>
-        <p:spPr>
-          <a:xfrm>
-            <a:off x="5543938" y="3546040"/>
-            <a:ext cx="1370888" cy="646331"/>
-          </a:xfrm>
-          <a:prstGeom prst="rect">
-            <a:avLst/>
-          </a:prstGeom>
-          <a:noFill/>
-        </p:spPr>
-        <p:txBody>
-          <a:bodyPr wrap="none" rtlCol="0">
-            <a:spAutoFit/>
-          </a:bodyPr>
-          <a:lstStyle/>
-          <a:p>
-            <a:pPr algn="ctr"/>
-            <a:r>
-              <a:rPr lang="en-US" dirty="0">
-                <a:solidFill>
-                  <a:schemeClr val="bg2">
-                    <a:lumMod val="25000"/>
-                  </a:schemeClr>
-                </a:solidFill>
-                <a:latin typeface="Montserrat" panose="02000505000000020004" pitchFamily="2" charset="0"/>
-              </a:rPr>
-              <a:t>API</a:t>
-            </a:r>
-          </a:p>
-          <a:p>
-            <a:pPr algn="ctr"/>
-            <a:r>
-              <a:rPr lang="en-US" dirty="0">
-                <a:solidFill>
-                  <a:schemeClr val="bg2">
-                    <a:lumMod val="25000"/>
-                  </a:schemeClr>
-                </a:solidFill>
-                <a:latin typeface="Montserrat" panose="02000505000000020004" pitchFamily="2" charset="0"/>
-              </a:rPr>
-              <a:t>Endpoints</a:t>
-            </a:r>
-          </a:p>
-        </p:txBody>
-      </p:sp>
-      <p:sp>
-        <p:nvSpPr>
-          <p:cNvPr id="6" name="ZoneTexte 5">
-            <a:extLst>
-              <a:ext uri="{FF2B5EF4-FFF2-40B4-BE49-F238E27FC236}">
-                <a16:creationId xmlns:a16="http://schemas.microsoft.com/office/drawing/2014/main" id="{4B069790-2515-2E8B-830B-88A38B0A8C2B}"/>
-              </a:ext>
-            </a:extLst>
-          </p:cNvPr>
-          <p:cNvSpPr txBox="1"/>
-          <p:nvPr/>
-        </p:nvSpPr>
-        <p:spPr>
-          <a:xfrm>
-            <a:off x="8644018" y="3546040"/>
-            <a:ext cx="1678665" cy="646331"/>
-          </a:xfrm>
-          <a:prstGeom prst="rect">
-            <a:avLst/>
-          </a:prstGeom>
-          <a:noFill/>
-        </p:spPr>
-        <p:txBody>
-          <a:bodyPr wrap="none" rtlCol="0">
-            <a:spAutoFit/>
-          </a:bodyPr>
-          <a:lstStyle/>
-          <a:p>
-            <a:pPr algn="ctr"/>
-            <a:r>
-              <a:rPr lang="en-US" dirty="0">
-                <a:solidFill>
-                  <a:schemeClr val="bg2">
-                    <a:lumMod val="25000"/>
-                  </a:schemeClr>
-                </a:solidFill>
-                <a:latin typeface="Montserrat" panose="02000505000000020004" pitchFamily="2" charset="0"/>
-              </a:rPr>
-              <a:t>Processing &amp;</a:t>
-            </a:r>
-          </a:p>
-          <a:p>
-            <a:pPr algn="ctr"/>
-            <a:r>
-              <a:rPr lang="en-US" dirty="0">
-                <a:solidFill>
-                  <a:schemeClr val="bg2">
-                    <a:lumMod val="25000"/>
-                  </a:schemeClr>
-                </a:solidFill>
-                <a:latin typeface="Montserrat" panose="02000505000000020004" pitchFamily="2" charset="0"/>
-              </a:rPr>
-              <a:t>Prediction</a:t>
-            </a:r>
-          </a:p>
-        </p:txBody>
-      </p:sp>
-      <p:sp>
-        <p:nvSpPr>
-          <p:cNvPr id="8" name="ZoneTexte 7">
-            <a:extLst>
-              <a:ext uri="{FF2B5EF4-FFF2-40B4-BE49-F238E27FC236}">
-                <a16:creationId xmlns:a16="http://schemas.microsoft.com/office/drawing/2014/main" id="{36F3681B-C28C-A068-E10E-640A013D36CD}"/>
-              </a:ext>
-            </a:extLst>
-          </p:cNvPr>
-          <p:cNvSpPr txBox="1"/>
-          <p:nvPr/>
-        </p:nvSpPr>
-        <p:spPr>
-          <a:xfrm>
-            <a:off x="10212175" y="6151169"/>
-            <a:ext cx="1285929" cy="369332"/>
-          </a:xfrm>
-          <a:prstGeom prst="rect">
-            <a:avLst/>
-          </a:prstGeom>
-          <a:noFill/>
-        </p:spPr>
-        <p:txBody>
-          <a:bodyPr wrap="none" rtlCol="0">
-            <a:spAutoFit/>
-          </a:bodyPr>
-          <a:lstStyle/>
-          <a:p>
-            <a:pPr algn="ctr"/>
-            <a:r>
-              <a:rPr lang="en-US" dirty="0">
-                <a:solidFill>
-                  <a:schemeClr val="bg2">
-                    <a:lumMod val="25000"/>
-                  </a:schemeClr>
-                </a:solidFill>
-                <a:latin typeface="Montserrat" panose="02000505000000020004" pitchFamily="2" charset="0"/>
-              </a:rPr>
-              <a:t>Database</a:t>
-            </a:r>
-          </a:p>
-        </p:txBody>
-      </p:sp>
-      <p:pic>
-        <p:nvPicPr>
-          <p:cNvPr id="15" name="Image 14">
-            <a:extLst>
-              <a:ext uri="{FF2B5EF4-FFF2-40B4-BE49-F238E27FC236}">
-                <a16:creationId xmlns:a16="http://schemas.microsoft.com/office/drawing/2014/main" id="{E4E58A94-2966-495E-4C69-8A78E51D1DDB}"/>
-              </a:ext>
-            </a:extLst>
-          </p:cNvPr>
-          <p:cNvPicPr>
-            <a:picLocks noChangeAspect="1"/>
-          </p:cNvPicPr>
-          <p:nvPr/>
-        </p:nvPicPr>
-        <p:blipFill>
-          <a:blip r:embed="rId3">
-            <a:extLst>
-              <a:ext uri="{28A0092B-C50C-407E-A947-70E740481C1C}">
-                <a14:useLocalDpi xmlns:a14="http://schemas.microsoft.com/office/drawing/2010/main" val="0"/>
-              </a:ext>
-            </a:extLst>
-          </a:blip>
-          <a:stretch>
-            <a:fillRect/>
-          </a:stretch>
-        </p:blipFill>
-        <p:spPr>
-          <a:xfrm>
-            <a:off x="423676" y="2432149"/>
-            <a:ext cx="877047" cy="877047"/>
-          </a:xfrm>
-          <a:prstGeom prst="rect">
-            <a:avLst/>
-          </a:prstGeom>
-        </p:spPr>
-      </p:pic>
-      <p:cxnSp>
-        <p:nvCxnSpPr>
-          <p:cNvPr id="16" name="Connecteur droit avec flèche 15">
-            <a:extLst>
-              <a:ext uri="{FF2B5EF4-FFF2-40B4-BE49-F238E27FC236}">
-                <a16:creationId xmlns:a16="http://schemas.microsoft.com/office/drawing/2014/main" id="{7B4E9C53-8282-0C6A-66C1-1A594163FF7A}"/>
-              </a:ext>
-            </a:extLst>
-          </p:cNvPr>
-          <p:cNvCxnSpPr>
-            <a:cxnSpLocks/>
-          </p:cNvCxnSpPr>
-          <p:nvPr/>
-        </p:nvCxnSpPr>
-        <p:spPr>
-          <a:xfrm flipH="1">
-            <a:off x="3709356" y="3043455"/>
-            <a:ext cx="1614020" cy="0"/>
-          </a:xfrm>
-          <a:prstGeom prst="straightConnector1">
-            <a:avLst/>
-          </a:prstGeom>
-          <a:ln w="19050" cmpd="sng">
-            <a:solidFill>
-              <a:srgbClr val="68A2DF"/>
-            </a:solidFill>
-            <a:prstDash val="solid"/>
-            <a:tailEnd type="triangle"/>
-          </a:ln>
-        </p:spPr>
-        <p:style>
-          <a:lnRef idx="1">
-            <a:schemeClr val="accent1"/>
-          </a:lnRef>
-          <a:fillRef idx="0">
-            <a:schemeClr val="accent1"/>
-          </a:fillRef>
-          <a:effectRef idx="0">
-            <a:schemeClr val="accent1"/>
-          </a:effectRef>
-          <a:fontRef idx="minor">
-            <a:schemeClr val="tx1"/>
-          </a:fontRef>
-        </p:style>
-      </p:cxnSp>
-      <p:cxnSp>
-        <p:nvCxnSpPr>
-          <p:cNvPr id="17" name="Connecteur droit avec flèche 16">
-            <a:extLst>
-              <a:ext uri="{FF2B5EF4-FFF2-40B4-BE49-F238E27FC236}">
-                <a16:creationId xmlns:a16="http://schemas.microsoft.com/office/drawing/2014/main" id="{21607108-EBE0-9AC9-1CD6-395E7C8BF8CA}"/>
-              </a:ext>
-            </a:extLst>
-          </p:cNvPr>
-          <p:cNvCxnSpPr>
-            <a:cxnSpLocks/>
-          </p:cNvCxnSpPr>
-          <p:nvPr/>
-        </p:nvCxnSpPr>
-        <p:spPr>
-          <a:xfrm>
-            <a:off x="7043398" y="2711668"/>
-            <a:ext cx="1599952" cy="0"/>
-          </a:xfrm>
-          <a:prstGeom prst="straightConnector1">
-            <a:avLst/>
-          </a:prstGeom>
-          <a:ln w="19050" cmpd="sng">
-            <a:solidFill>
-              <a:srgbClr val="68A2DF"/>
-            </a:solidFill>
-            <a:prstDash val="solid"/>
-            <a:tailEnd type="triangle"/>
-          </a:ln>
-        </p:spPr>
-        <p:style>
-          <a:lnRef idx="1">
-            <a:schemeClr val="accent1"/>
-          </a:lnRef>
-          <a:fillRef idx="0">
-            <a:schemeClr val="accent1"/>
-          </a:fillRef>
-          <a:effectRef idx="0">
-            <a:schemeClr val="accent1"/>
-          </a:effectRef>
-          <a:fontRef idx="minor">
-            <a:schemeClr val="tx1"/>
-          </a:fontRef>
-        </p:style>
-      </p:cxnSp>
-      <p:cxnSp>
-        <p:nvCxnSpPr>
-          <p:cNvPr id="18" name="Connecteur droit avec flèche 17">
-            <a:extLst>
-              <a:ext uri="{FF2B5EF4-FFF2-40B4-BE49-F238E27FC236}">
-                <a16:creationId xmlns:a16="http://schemas.microsoft.com/office/drawing/2014/main" id="{2E34D71E-9829-AED1-9335-457545C99B55}"/>
-              </a:ext>
-            </a:extLst>
-          </p:cNvPr>
-          <p:cNvCxnSpPr>
-            <a:cxnSpLocks/>
-          </p:cNvCxnSpPr>
-          <p:nvPr/>
-        </p:nvCxnSpPr>
-        <p:spPr>
-          <a:xfrm flipH="1">
-            <a:off x="7029330" y="2958476"/>
-            <a:ext cx="1614020" cy="0"/>
-          </a:xfrm>
-          <a:prstGeom prst="straightConnector1">
-            <a:avLst/>
-          </a:prstGeom>
-          <a:ln w="19050" cmpd="sng">
-            <a:solidFill>
-              <a:srgbClr val="68A2DF"/>
-            </a:solidFill>
-            <a:prstDash val="solid"/>
-            <a:tailEnd type="triangle"/>
-          </a:ln>
-        </p:spPr>
-        <p:style>
-          <a:lnRef idx="1">
-            <a:schemeClr val="accent1"/>
-          </a:lnRef>
-          <a:fillRef idx="0">
-            <a:schemeClr val="accent1"/>
-          </a:fillRef>
-          <a:effectRef idx="0">
-            <a:schemeClr val="accent1"/>
-          </a:effectRef>
-          <a:fontRef idx="minor">
-            <a:schemeClr val="tx1"/>
-          </a:fontRef>
-        </p:style>
-      </p:cxnSp>
-      <p:sp>
-        <p:nvSpPr>
-          <p:cNvPr id="19" name="ZoneTexte 18">
-            <a:extLst>
-              <a:ext uri="{FF2B5EF4-FFF2-40B4-BE49-F238E27FC236}">
-                <a16:creationId xmlns:a16="http://schemas.microsoft.com/office/drawing/2014/main" id="{DD8D0F0A-F3BD-A467-CF88-C2830A427F53}"/>
-              </a:ext>
-            </a:extLst>
-          </p:cNvPr>
-          <p:cNvSpPr txBox="1"/>
-          <p:nvPr/>
-        </p:nvSpPr>
-        <p:spPr>
-          <a:xfrm>
-            <a:off x="505370" y="3546040"/>
-            <a:ext cx="713658" cy="369332"/>
-          </a:xfrm>
-          <a:prstGeom prst="rect">
-            <a:avLst/>
-          </a:prstGeom>
-          <a:noFill/>
-        </p:spPr>
-        <p:txBody>
-          <a:bodyPr wrap="none" rtlCol="0">
-            <a:spAutoFit/>
-          </a:bodyPr>
-          <a:lstStyle/>
-          <a:p>
-            <a:pPr algn="ctr"/>
-            <a:r>
-              <a:rPr lang="en-US" dirty="0">
-                <a:solidFill>
-                  <a:schemeClr val="bg2">
-                    <a:lumMod val="25000"/>
-                  </a:schemeClr>
-                </a:solidFill>
-                <a:latin typeface="Montserrat" panose="02000505000000020004" pitchFamily="2" charset="0"/>
-              </a:rPr>
-              <a:t>User</a:t>
-            </a:r>
-          </a:p>
-        </p:txBody>
-      </p:sp>
-      <p:cxnSp>
-        <p:nvCxnSpPr>
-          <p:cNvPr id="20" name="Connecteur : en angle 19">
-            <a:extLst>
-              <a:ext uri="{FF2B5EF4-FFF2-40B4-BE49-F238E27FC236}">
-                <a16:creationId xmlns:a16="http://schemas.microsoft.com/office/drawing/2014/main" id="{27E20094-C2F7-110D-1D4C-02ACA3E7AB14}"/>
-              </a:ext>
-            </a:extLst>
-          </p:cNvPr>
-          <p:cNvCxnSpPr>
-            <a:cxnSpLocks/>
-          </p:cNvCxnSpPr>
-          <p:nvPr/>
-        </p:nvCxnSpPr>
-        <p:spPr>
-          <a:xfrm rot="16200000" flipH="1">
-            <a:off x="9527451" y="3265572"/>
-            <a:ext cx="1724584" cy="747596"/>
-          </a:xfrm>
-          <a:prstGeom prst="bentConnector3">
-            <a:avLst>
-              <a:gd name="adj1" fmla="val 1057"/>
-            </a:avLst>
-          </a:prstGeom>
-          <a:ln w="19050" cmpd="sng">
-            <a:solidFill>
-              <a:srgbClr val="68A2DF"/>
-            </a:solidFill>
-            <a:prstDash val="solid"/>
-            <a:tailEnd type="triangle"/>
-          </a:ln>
-        </p:spPr>
-        <p:style>
-          <a:lnRef idx="1">
-            <a:schemeClr val="accent1"/>
-          </a:lnRef>
-          <a:fillRef idx="0">
-            <a:schemeClr val="accent1"/>
-          </a:fillRef>
-          <a:effectRef idx="0">
-            <a:schemeClr val="accent1"/>
-          </a:effectRef>
-          <a:fontRef idx="minor">
-            <a:schemeClr val="tx1"/>
-          </a:fontRef>
-        </p:style>
-      </p:cxnSp>
-      <p:cxnSp>
-        <p:nvCxnSpPr>
-          <p:cNvPr id="21" name="Connecteur droit avec flèche 20">
-            <a:extLst>
-              <a:ext uri="{FF2B5EF4-FFF2-40B4-BE49-F238E27FC236}">
-                <a16:creationId xmlns:a16="http://schemas.microsoft.com/office/drawing/2014/main" id="{7A54B353-BB7A-E208-4BF6-6E2405B14B75}"/>
-              </a:ext>
-            </a:extLst>
-          </p:cNvPr>
-          <p:cNvCxnSpPr>
-            <a:cxnSpLocks/>
-          </p:cNvCxnSpPr>
-          <p:nvPr/>
-        </p:nvCxnSpPr>
-        <p:spPr>
-          <a:xfrm>
-            <a:off x="3737490" y="2563246"/>
-            <a:ext cx="1599952" cy="0"/>
-          </a:xfrm>
-          <a:prstGeom prst="straightConnector1">
-            <a:avLst/>
-          </a:prstGeom>
-          <a:ln w="19050" cmpd="sng">
-            <a:solidFill>
-              <a:srgbClr val="68A2DF"/>
-            </a:solidFill>
-            <a:prstDash val="solid"/>
-            <a:tailEnd type="triangle"/>
-          </a:ln>
-        </p:spPr>
-        <p:style>
-          <a:lnRef idx="1">
-            <a:schemeClr val="accent1"/>
-          </a:lnRef>
-          <a:fillRef idx="0">
-            <a:schemeClr val="accent1"/>
-          </a:fillRef>
-          <a:effectRef idx="0">
-            <a:schemeClr val="accent1"/>
-          </a:effectRef>
-          <a:fontRef idx="minor">
-            <a:schemeClr val="tx1"/>
-          </a:fontRef>
-        </p:style>
-      </p:cxnSp>
-      <p:cxnSp>
-        <p:nvCxnSpPr>
-          <p:cNvPr id="22" name="Connecteur : en angle 21">
-            <a:extLst>
-              <a:ext uri="{FF2B5EF4-FFF2-40B4-BE49-F238E27FC236}">
-                <a16:creationId xmlns:a16="http://schemas.microsoft.com/office/drawing/2014/main" id="{471FADA2-25CE-0006-CD66-9756045DC175}"/>
-              </a:ext>
-            </a:extLst>
-          </p:cNvPr>
-          <p:cNvCxnSpPr/>
-          <p:nvPr/>
-        </p:nvCxnSpPr>
-        <p:spPr>
-          <a:xfrm>
-            <a:off x="851432" y="4192371"/>
-            <a:ext cx="1513428" cy="1139284"/>
-          </a:xfrm>
-          <a:prstGeom prst="bentConnector3">
-            <a:avLst>
-              <a:gd name="adj1" fmla="val -1124"/>
-            </a:avLst>
-          </a:prstGeom>
-          <a:ln w="19050" cmpd="sng">
-            <a:solidFill>
-              <a:srgbClr val="68A2DF"/>
-            </a:solidFill>
-            <a:prstDash val="solid"/>
-            <a:tailEnd type="triangle"/>
-          </a:ln>
-        </p:spPr>
-        <p:style>
-          <a:lnRef idx="1">
-            <a:schemeClr val="accent1"/>
-          </a:lnRef>
-          <a:fillRef idx="0">
-            <a:schemeClr val="accent1"/>
-          </a:fillRef>
-          <a:effectRef idx="0">
-            <a:schemeClr val="accent1"/>
-          </a:effectRef>
-          <a:fontRef idx="minor">
-            <a:schemeClr val="tx1"/>
-          </a:fontRef>
-        </p:style>
-      </p:cxnSp>
-      <p:cxnSp>
-        <p:nvCxnSpPr>
-          <p:cNvPr id="23" name="Connecteur droit avec flèche 22">
-            <a:extLst>
-              <a:ext uri="{FF2B5EF4-FFF2-40B4-BE49-F238E27FC236}">
-                <a16:creationId xmlns:a16="http://schemas.microsoft.com/office/drawing/2014/main" id="{E03D9A7C-A9F2-BD1E-7D67-90B0B6D6C0DD}"/>
-              </a:ext>
-            </a:extLst>
-          </p:cNvPr>
-          <p:cNvCxnSpPr>
-            <a:cxnSpLocks/>
-          </p:cNvCxnSpPr>
-          <p:nvPr/>
-        </p:nvCxnSpPr>
-        <p:spPr>
-          <a:xfrm>
-            <a:off x="3703330" y="5331655"/>
-            <a:ext cx="5898207" cy="0"/>
-          </a:xfrm>
-          <a:prstGeom prst="straightConnector1">
-            <a:avLst/>
-          </a:prstGeom>
-          <a:ln w="19050" cmpd="sng">
-            <a:solidFill>
-              <a:srgbClr val="68A2DF"/>
-            </a:solidFill>
-            <a:prstDash val="solid"/>
-            <a:tailEnd type="triangle"/>
-          </a:ln>
-        </p:spPr>
-        <p:style>
-          <a:lnRef idx="1">
-            <a:schemeClr val="accent1"/>
-          </a:lnRef>
-          <a:fillRef idx="0">
-            <a:schemeClr val="accent1"/>
-          </a:fillRef>
-          <a:effectRef idx="0">
-            <a:schemeClr val="accent1"/>
-          </a:effectRef>
-          <a:fontRef idx="minor">
-            <a:schemeClr val="tx1"/>
-          </a:fontRef>
-        </p:style>
-      </p:cxnSp>
-      <p:cxnSp>
-        <p:nvCxnSpPr>
-          <p:cNvPr id="24" name="Connecteur droit avec flèche 23">
-            <a:extLst>
-              <a:ext uri="{FF2B5EF4-FFF2-40B4-BE49-F238E27FC236}">
-                <a16:creationId xmlns:a16="http://schemas.microsoft.com/office/drawing/2014/main" id="{C6F4C585-6493-4133-44BC-96595B534632}"/>
-              </a:ext>
-            </a:extLst>
-          </p:cNvPr>
-          <p:cNvCxnSpPr>
-            <a:cxnSpLocks/>
-          </p:cNvCxnSpPr>
-          <p:nvPr/>
-        </p:nvCxnSpPr>
-        <p:spPr>
-          <a:xfrm flipH="1">
-            <a:off x="1528867" y="2958476"/>
-            <a:ext cx="807857" cy="0"/>
-          </a:xfrm>
-          <a:prstGeom prst="straightConnector1">
-            <a:avLst/>
-          </a:prstGeom>
-          <a:ln w="19050" cmpd="sng">
-            <a:solidFill>
-              <a:srgbClr val="68A2DF"/>
-            </a:solidFill>
-            <a:prstDash val="solid"/>
-            <a:tailEnd type="triangle"/>
-          </a:ln>
-        </p:spPr>
-        <p:style>
-          <a:lnRef idx="1">
-            <a:schemeClr val="accent1"/>
-          </a:lnRef>
-          <a:fillRef idx="0">
-            <a:schemeClr val="accent1"/>
-          </a:fillRef>
-          <a:effectRef idx="0">
-            <a:schemeClr val="accent1"/>
-          </a:effectRef>
-          <a:fontRef idx="minor">
-            <a:schemeClr val="tx1"/>
-          </a:fontRef>
-        </p:style>
-      </p:cxnSp>
-      <p:cxnSp>
-        <p:nvCxnSpPr>
-          <p:cNvPr id="25" name="Connecteur droit avec flèche 24">
-            <a:extLst>
-              <a:ext uri="{FF2B5EF4-FFF2-40B4-BE49-F238E27FC236}">
-                <a16:creationId xmlns:a16="http://schemas.microsoft.com/office/drawing/2014/main" id="{06A287A3-6018-C686-C68A-BB54D59724BC}"/>
-              </a:ext>
-            </a:extLst>
-          </p:cNvPr>
-          <p:cNvCxnSpPr>
-            <a:cxnSpLocks/>
-          </p:cNvCxnSpPr>
-          <p:nvPr/>
-        </p:nvCxnSpPr>
-        <p:spPr>
-          <a:xfrm>
-            <a:off x="1557001" y="2711668"/>
-            <a:ext cx="779723" cy="0"/>
-          </a:xfrm>
-          <a:prstGeom prst="straightConnector1">
-            <a:avLst/>
-          </a:prstGeom>
-          <a:ln w="19050" cmpd="sng">
-            <a:solidFill>
-              <a:srgbClr val="68A2DF"/>
-            </a:solidFill>
-            <a:prstDash val="solid"/>
-            <a:tailEnd type="triangle"/>
-          </a:ln>
-        </p:spPr>
-        <p:style>
-          <a:lnRef idx="1">
-            <a:schemeClr val="accent1"/>
-          </a:lnRef>
-          <a:fillRef idx="0">
-            <a:schemeClr val="accent1"/>
-          </a:fillRef>
-          <a:effectRef idx="0">
-            <a:schemeClr val="accent1"/>
-          </a:effectRef>
-          <a:fontRef idx="minor">
-            <a:schemeClr val="tx1"/>
-          </a:fontRef>
-        </p:style>
-      </p:cxnSp>
-      <p:sp>
-        <p:nvSpPr>
-          <p:cNvPr id="26" name="Ellipse 25">
-            <a:extLst>
-              <a:ext uri="{FF2B5EF4-FFF2-40B4-BE49-F238E27FC236}">
-                <a16:creationId xmlns:a16="http://schemas.microsoft.com/office/drawing/2014/main" id="{1A19BC75-9683-37C3-213C-C06CA62635FE}"/>
-              </a:ext>
-            </a:extLst>
-          </p:cNvPr>
-          <p:cNvSpPr/>
-          <p:nvPr/>
-        </p:nvSpPr>
-        <p:spPr>
-          <a:xfrm>
-            <a:off x="1749714" y="2204506"/>
-            <a:ext cx="388283" cy="388283"/>
-          </a:xfrm>
-          <a:prstGeom prst="ellipse">
-            <a:avLst/>
-          </a:prstGeom>
-          <a:solidFill>
-            <a:srgbClr val="68A2DF"/>
-          </a:solidFill>
-          <a:ln>
-            <a:noFill/>
-          </a:ln>
-        </p:spPr>
-        <p:style>
-          <a:lnRef idx="2">
-            <a:schemeClr val="accent1">
-              <a:shade val="15000"/>
-            </a:schemeClr>
-          </a:lnRef>
-          <a:fillRef idx="1">
-            <a:schemeClr val="accent1"/>
-          </a:fillRef>
-          <a:effectRef idx="0">
-            <a:schemeClr val="accent1"/>
-          </a:effectRef>
-          <a:fontRef idx="minor">
-            <a:schemeClr val="lt1"/>
-          </a:fontRef>
-        </p:style>
-        <p:txBody>
-          <a:bodyPr rtlCol="0" anchor="ctr"/>
-          <a:lstStyle/>
-          <a:p>
-            <a:pPr algn="ctr"/>
-            <a:r>
-              <a:rPr lang="en-US" sz="2200" dirty="0">
-                <a:latin typeface="Montserrat" panose="02000505000000020004" pitchFamily="2" charset="0"/>
-              </a:rPr>
-              <a:t>1</a:t>
-            </a:r>
-          </a:p>
-        </p:txBody>
-      </p:sp>
-      <p:sp>
-        <p:nvSpPr>
-          <p:cNvPr id="27" name="Ellipse 26">
-            <a:extLst>
-              <a:ext uri="{FF2B5EF4-FFF2-40B4-BE49-F238E27FC236}">
-                <a16:creationId xmlns:a16="http://schemas.microsoft.com/office/drawing/2014/main" id="{2F6FCE8D-3CC2-5E28-E6B3-19C6722EA5CE}"/>
-              </a:ext>
-            </a:extLst>
-          </p:cNvPr>
-          <p:cNvSpPr/>
-          <p:nvPr/>
-        </p:nvSpPr>
-        <p:spPr>
-          <a:xfrm>
-            <a:off x="4352236" y="2056084"/>
-            <a:ext cx="388283" cy="388283"/>
-          </a:xfrm>
-          <a:prstGeom prst="ellipse">
-            <a:avLst/>
-          </a:prstGeom>
-          <a:solidFill>
-            <a:srgbClr val="68A2DF"/>
-          </a:solidFill>
-          <a:ln>
-            <a:noFill/>
-          </a:ln>
-        </p:spPr>
-        <p:style>
-          <a:lnRef idx="2">
-            <a:schemeClr val="accent1">
-              <a:shade val="15000"/>
-            </a:schemeClr>
-          </a:lnRef>
-          <a:fillRef idx="1">
-            <a:schemeClr val="accent1"/>
-          </a:fillRef>
-          <a:effectRef idx="0">
-            <a:schemeClr val="accent1"/>
-          </a:effectRef>
-          <a:fontRef idx="minor">
-            <a:schemeClr val="lt1"/>
-          </a:fontRef>
-        </p:style>
-        <p:txBody>
-          <a:bodyPr rtlCol="0" anchor="ctr"/>
-          <a:lstStyle/>
-          <a:p>
-            <a:pPr algn="ctr"/>
-            <a:r>
-              <a:rPr lang="en-US" sz="2200" dirty="0">
-                <a:latin typeface="Montserrat" panose="02000505000000020004" pitchFamily="2" charset="0"/>
-              </a:rPr>
-              <a:t>2</a:t>
-            </a:r>
-          </a:p>
-        </p:txBody>
-      </p:sp>
-      <p:sp>
-        <p:nvSpPr>
-          <p:cNvPr id="28" name="Ellipse 27">
-            <a:extLst>
-              <a:ext uri="{FF2B5EF4-FFF2-40B4-BE49-F238E27FC236}">
-                <a16:creationId xmlns:a16="http://schemas.microsoft.com/office/drawing/2014/main" id="{9046F88C-4A7A-FE64-AF01-264C63F5B87E}"/>
-              </a:ext>
-            </a:extLst>
-          </p:cNvPr>
-          <p:cNvSpPr/>
-          <p:nvPr/>
-        </p:nvSpPr>
-        <p:spPr>
-          <a:xfrm>
-            <a:off x="7587806" y="2204506"/>
-            <a:ext cx="388283" cy="388283"/>
-          </a:xfrm>
-          <a:prstGeom prst="ellipse">
-            <a:avLst/>
-          </a:prstGeom>
-          <a:solidFill>
-            <a:srgbClr val="68A2DF"/>
-          </a:solidFill>
-          <a:ln>
-            <a:noFill/>
-          </a:ln>
-        </p:spPr>
-        <p:style>
-          <a:lnRef idx="2">
-            <a:schemeClr val="accent1">
-              <a:shade val="15000"/>
-            </a:schemeClr>
-          </a:lnRef>
-          <a:fillRef idx="1">
-            <a:schemeClr val="accent1"/>
-          </a:fillRef>
-          <a:effectRef idx="0">
-            <a:schemeClr val="accent1"/>
-          </a:effectRef>
-          <a:fontRef idx="minor">
-            <a:schemeClr val="lt1"/>
-          </a:fontRef>
-        </p:style>
-        <p:txBody>
-          <a:bodyPr rtlCol="0" anchor="ctr"/>
-          <a:lstStyle/>
-          <a:p>
-            <a:pPr algn="ctr"/>
-            <a:r>
-              <a:rPr lang="en-US" sz="2200" dirty="0">
-                <a:latin typeface="Montserrat" panose="02000505000000020004" pitchFamily="2" charset="0"/>
-              </a:rPr>
-              <a:t>3</a:t>
-            </a:r>
-          </a:p>
-        </p:txBody>
-      </p:sp>
-      <p:sp>
-        <p:nvSpPr>
-          <p:cNvPr id="29" name="Ellipse 28">
-            <a:extLst>
-              <a:ext uri="{FF2B5EF4-FFF2-40B4-BE49-F238E27FC236}">
-                <a16:creationId xmlns:a16="http://schemas.microsoft.com/office/drawing/2014/main" id="{78275DAC-4D50-1A9B-0E11-8087836E4A4B}"/>
-              </a:ext>
-            </a:extLst>
-          </p:cNvPr>
-          <p:cNvSpPr/>
-          <p:nvPr/>
-        </p:nvSpPr>
-        <p:spPr>
-          <a:xfrm>
-            <a:off x="10973683" y="3472185"/>
-            <a:ext cx="388283" cy="388283"/>
-          </a:xfrm>
-          <a:prstGeom prst="ellipse">
-            <a:avLst/>
-          </a:prstGeom>
-          <a:solidFill>
-            <a:srgbClr val="68A2DF"/>
-          </a:solidFill>
-          <a:ln>
-            <a:noFill/>
-          </a:ln>
-        </p:spPr>
-        <p:style>
-          <a:lnRef idx="2">
-            <a:schemeClr val="accent1">
-              <a:shade val="15000"/>
-            </a:schemeClr>
-          </a:lnRef>
-          <a:fillRef idx="1">
-            <a:schemeClr val="accent1"/>
-          </a:fillRef>
-          <a:effectRef idx="0">
-            <a:schemeClr val="accent1"/>
-          </a:effectRef>
-          <a:fontRef idx="minor">
-            <a:schemeClr val="lt1"/>
-          </a:fontRef>
-        </p:style>
-        <p:txBody>
-          <a:bodyPr rtlCol="0" anchor="ctr"/>
-          <a:lstStyle/>
-          <a:p>
-            <a:pPr algn="ctr"/>
-            <a:r>
-              <a:rPr lang="en-US" sz="2200" dirty="0">
-                <a:latin typeface="Montserrat" panose="02000505000000020004" pitchFamily="2" charset="0"/>
-              </a:rPr>
-              <a:t>4</a:t>
-            </a:r>
-          </a:p>
-        </p:txBody>
-      </p:sp>
-      <p:sp>
-        <p:nvSpPr>
-          <p:cNvPr id="30" name="Ellipse 29">
-            <a:extLst>
-              <a:ext uri="{FF2B5EF4-FFF2-40B4-BE49-F238E27FC236}">
-                <a16:creationId xmlns:a16="http://schemas.microsoft.com/office/drawing/2014/main" id="{EB57D5E8-B8D6-BFA9-295A-B8D5117B0940}"/>
-              </a:ext>
-            </a:extLst>
-          </p:cNvPr>
-          <p:cNvSpPr/>
-          <p:nvPr/>
-        </p:nvSpPr>
-        <p:spPr>
-          <a:xfrm>
-            <a:off x="7587806" y="3062635"/>
-            <a:ext cx="388283" cy="388283"/>
-          </a:xfrm>
-          <a:prstGeom prst="ellipse">
-            <a:avLst/>
-          </a:prstGeom>
-          <a:solidFill>
-            <a:srgbClr val="68A2DF"/>
-          </a:solidFill>
-          <a:ln>
-            <a:noFill/>
-          </a:ln>
-        </p:spPr>
-        <p:style>
-          <a:lnRef idx="2">
-            <a:schemeClr val="accent1">
-              <a:shade val="15000"/>
-            </a:schemeClr>
-          </a:lnRef>
-          <a:fillRef idx="1">
-            <a:schemeClr val="accent1"/>
-          </a:fillRef>
-          <a:effectRef idx="0">
-            <a:schemeClr val="accent1"/>
-          </a:effectRef>
-          <a:fontRef idx="minor">
-            <a:schemeClr val="lt1"/>
-          </a:fontRef>
-        </p:style>
-        <p:txBody>
-          <a:bodyPr rtlCol="0" anchor="ctr"/>
-          <a:lstStyle/>
-          <a:p>
-            <a:pPr algn="ctr"/>
-            <a:r>
-              <a:rPr lang="en-US" sz="2200" dirty="0">
-                <a:latin typeface="Montserrat" panose="02000505000000020004" pitchFamily="2" charset="0"/>
-              </a:rPr>
-              <a:t>5</a:t>
-            </a:r>
-          </a:p>
-        </p:txBody>
-      </p:sp>
-      <p:sp>
-        <p:nvSpPr>
-          <p:cNvPr id="31" name="Ellipse 30">
-            <a:extLst>
-              <a:ext uri="{FF2B5EF4-FFF2-40B4-BE49-F238E27FC236}">
-                <a16:creationId xmlns:a16="http://schemas.microsoft.com/office/drawing/2014/main" id="{80BC747F-43F2-89C0-E5E2-352D6322F65F}"/>
-              </a:ext>
-            </a:extLst>
-          </p:cNvPr>
-          <p:cNvSpPr/>
-          <p:nvPr/>
-        </p:nvSpPr>
-        <p:spPr>
-          <a:xfrm>
-            <a:off x="4352236" y="3147614"/>
-            <a:ext cx="388283" cy="388283"/>
-          </a:xfrm>
-          <a:prstGeom prst="ellipse">
-            <a:avLst/>
-          </a:prstGeom>
-          <a:solidFill>
-            <a:srgbClr val="68A2DF"/>
-          </a:solidFill>
-          <a:ln>
-            <a:noFill/>
-          </a:ln>
-        </p:spPr>
-        <p:style>
-          <a:lnRef idx="2">
-            <a:schemeClr val="accent1">
-              <a:shade val="15000"/>
-            </a:schemeClr>
-          </a:lnRef>
-          <a:fillRef idx="1">
-            <a:schemeClr val="accent1"/>
-          </a:fillRef>
-          <a:effectRef idx="0">
-            <a:schemeClr val="accent1"/>
-          </a:effectRef>
-          <a:fontRef idx="minor">
-            <a:schemeClr val="lt1"/>
-          </a:fontRef>
-        </p:style>
-        <p:txBody>
-          <a:bodyPr rtlCol="0" anchor="ctr"/>
-          <a:lstStyle/>
-          <a:p>
-            <a:pPr algn="ctr"/>
-            <a:r>
-              <a:rPr lang="en-US" sz="2200" dirty="0">
-                <a:latin typeface="Montserrat" panose="02000505000000020004" pitchFamily="2" charset="0"/>
-              </a:rPr>
-              <a:t>6</a:t>
-            </a:r>
-          </a:p>
-        </p:txBody>
-      </p:sp>
-      <p:sp>
-        <p:nvSpPr>
-          <p:cNvPr id="32" name="Ellipse 31">
-            <a:extLst>
-              <a:ext uri="{FF2B5EF4-FFF2-40B4-BE49-F238E27FC236}">
-                <a16:creationId xmlns:a16="http://schemas.microsoft.com/office/drawing/2014/main" id="{6E96A72D-4B26-DC8C-747E-C7F7B376C49C}"/>
-              </a:ext>
-            </a:extLst>
-          </p:cNvPr>
-          <p:cNvSpPr/>
-          <p:nvPr/>
-        </p:nvSpPr>
-        <p:spPr>
-          <a:xfrm>
-            <a:off x="1763781" y="3062635"/>
-            <a:ext cx="388283" cy="388283"/>
-          </a:xfrm>
-          <a:prstGeom prst="ellipse">
-            <a:avLst/>
-          </a:prstGeom>
-          <a:solidFill>
-            <a:srgbClr val="68A2DF"/>
-          </a:solidFill>
-          <a:ln>
-            <a:noFill/>
-          </a:ln>
-        </p:spPr>
-        <p:style>
-          <a:lnRef idx="2">
-            <a:schemeClr val="accent1">
-              <a:shade val="15000"/>
-            </a:schemeClr>
-          </a:lnRef>
-          <a:fillRef idx="1">
-            <a:schemeClr val="accent1"/>
-          </a:fillRef>
-          <a:effectRef idx="0">
-            <a:schemeClr val="accent1"/>
-          </a:effectRef>
-          <a:fontRef idx="minor">
-            <a:schemeClr val="lt1"/>
-          </a:fontRef>
-        </p:style>
-        <p:txBody>
-          <a:bodyPr rtlCol="0" anchor="ctr"/>
-          <a:lstStyle/>
-          <a:p>
-            <a:pPr algn="ctr"/>
-            <a:r>
-              <a:rPr lang="en-US" sz="2200" dirty="0">
-                <a:latin typeface="Montserrat" panose="02000505000000020004" pitchFamily="2" charset="0"/>
-              </a:rPr>
-              <a:t>7</a:t>
-            </a:r>
-          </a:p>
-        </p:txBody>
-      </p:sp>
-      <p:sp>
-        <p:nvSpPr>
-          <p:cNvPr id="33" name="Ellipse 32">
-            <a:extLst>
-              <a:ext uri="{FF2B5EF4-FFF2-40B4-BE49-F238E27FC236}">
-                <a16:creationId xmlns:a16="http://schemas.microsoft.com/office/drawing/2014/main" id="{F059DA66-5089-E263-A980-FC4D64BFECCD}"/>
-              </a:ext>
-            </a:extLst>
-          </p:cNvPr>
-          <p:cNvSpPr/>
-          <p:nvPr/>
-        </p:nvSpPr>
-        <p:spPr>
-          <a:xfrm>
-            <a:off x="1327683" y="5397871"/>
-            <a:ext cx="388283" cy="388283"/>
-          </a:xfrm>
-          <a:prstGeom prst="ellipse">
-            <a:avLst/>
-          </a:prstGeom>
-          <a:solidFill>
-            <a:srgbClr val="68A2DF"/>
-          </a:solidFill>
-          <a:ln>
-            <a:noFill/>
-          </a:ln>
-        </p:spPr>
-        <p:style>
-          <a:lnRef idx="2">
-            <a:schemeClr val="accent1">
-              <a:shade val="15000"/>
-            </a:schemeClr>
-          </a:lnRef>
-          <a:fillRef idx="1">
-            <a:schemeClr val="accent1"/>
-          </a:fillRef>
-          <a:effectRef idx="0">
-            <a:schemeClr val="accent1"/>
-          </a:effectRef>
-          <a:fontRef idx="minor">
-            <a:schemeClr val="lt1"/>
-          </a:fontRef>
-        </p:style>
-        <p:txBody>
-          <a:bodyPr rtlCol="0" anchor="ctr"/>
-          <a:lstStyle/>
-          <a:p>
-            <a:pPr algn="ctr"/>
-            <a:r>
-              <a:rPr lang="en-US" sz="2200" dirty="0">
-                <a:latin typeface="Montserrat" panose="02000505000000020004" pitchFamily="2" charset="0"/>
-              </a:rPr>
-              <a:t>8</a:t>
-            </a:r>
-          </a:p>
-        </p:txBody>
-      </p:sp>
-      <p:sp>
-        <p:nvSpPr>
-          <p:cNvPr id="34" name="Ellipse 33">
-            <a:extLst>
-              <a:ext uri="{FF2B5EF4-FFF2-40B4-BE49-F238E27FC236}">
-                <a16:creationId xmlns:a16="http://schemas.microsoft.com/office/drawing/2014/main" id="{0B67BA3D-0CFA-BD6A-5928-60CD729A204E}"/>
-              </a:ext>
-            </a:extLst>
-          </p:cNvPr>
-          <p:cNvSpPr/>
-          <p:nvPr/>
-        </p:nvSpPr>
-        <p:spPr>
-          <a:xfrm>
-            <a:off x="6516670" y="5397871"/>
-            <a:ext cx="388283" cy="388283"/>
-          </a:xfrm>
-          <a:prstGeom prst="ellipse">
-            <a:avLst/>
-          </a:prstGeom>
-          <a:solidFill>
-            <a:srgbClr val="68A2DF"/>
-          </a:solidFill>
-          <a:ln>
-            <a:noFill/>
-          </a:ln>
-        </p:spPr>
-        <p:style>
-          <a:lnRef idx="2">
-            <a:schemeClr val="accent1">
-              <a:shade val="15000"/>
-            </a:schemeClr>
-          </a:lnRef>
-          <a:fillRef idx="1">
-            <a:schemeClr val="accent1"/>
-          </a:fillRef>
-          <a:effectRef idx="0">
-            <a:schemeClr val="accent1"/>
-          </a:effectRef>
-          <a:fontRef idx="minor">
-            <a:schemeClr val="lt1"/>
-          </a:fontRef>
-        </p:style>
-        <p:txBody>
-          <a:bodyPr rtlCol="0" anchor="ctr"/>
-          <a:lstStyle/>
-          <a:p>
-            <a:pPr algn="ctr"/>
-            <a:r>
-              <a:rPr lang="en-US" sz="2200" dirty="0">
-                <a:latin typeface="Montserrat" panose="02000505000000020004" pitchFamily="2" charset="0"/>
-              </a:rPr>
-              <a:t>9</a:t>
-            </a:r>
-          </a:p>
-        </p:txBody>
-      </p:sp>
-      <p:pic>
-        <p:nvPicPr>
-          <p:cNvPr id="36" name="Picture 6" descr="Tailwind CSS Logo PNG Vector">
-            <a:extLst>
-              <a:ext uri="{FF2B5EF4-FFF2-40B4-BE49-F238E27FC236}">
-                <a16:creationId xmlns:a16="http://schemas.microsoft.com/office/drawing/2014/main" id="{5FA5E53D-1DB1-54D4-E519-6DC0C81BD8DD}"/>
-              </a:ext>
-            </a:extLst>
-          </p:cNvPr>
-          <p:cNvPicPr>
-            <a:picLocks noChangeAspect="1" noChangeArrowheads="1"/>
-          </p:cNvPicPr>
-          <p:nvPr/>
-        </p:nvPicPr>
-        <p:blipFill rotWithShape="1">
-          <a:blip r:embed="rId4">
-            <a:extLst>
-              <a:ext uri="{28A0092B-C50C-407E-A947-70E740481C1C}">
-                <a14:useLocalDpi xmlns:a14="http://schemas.microsoft.com/office/drawing/2010/main" val="0"/>
-              </a:ext>
-            </a:extLst>
-          </a:blip>
-          <a:srcRect l="31393" r="29941" b="36844"/>
-          <a:stretch/>
-        </p:blipFill>
-        <p:spPr bwMode="auto">
-          <a:xfrm>
-            <a:off x="2657835" y="3766943"/>
-            <a:ext cx="828440" cy="469085"/>
-          </a:xfrm>
-          <a:prstGeom prst="rect">
-            <a:avLst/>
-          </a:prstGeom>
-          <a:noFill/>
-          <a:extLst>
-            <a:ext uri="{909E8E84-426E-40DD-AFC4-6F175D3DCCD1}">
-              <a14:hiddenFill xmlns:a14="http://schemas.microsoft.com/office/drawing/2010/main">
-                <a:solidFill>
-                  <a:srgbClr val="FFFFFF"/>
-                </a:solidFill>
-              </a14:hiddenFill>
-            </a:ext>
-          </a:extLst>
-        </p:spPr>
-      </p:pic>
-      <p:pic>
-        <p:nvPicPr>
-          <p:cNvPr id="40" name="Picture 8">
-            <a:extLst>
-              <a:ext uri="{FF2B5EF4-FFF2-40B4-BE49-F238E27FC236}">
-                <a16:creationId xmlns:a16="http://schemas.microsoft.com/office/drawing/2014/main" id="{A1D0F1B1-92DC-97D9-B4CB-09F532A78872}"/>
-              </a:ext>
-            </a:extLst>
-          </p:cNvPr>
-          <p:cNvPicPr>
-            <a:picLocks noChangeAspect="1" noChangeArrowheads="1"/>
-          </p:cNvPicPr>
-          <p:nvPr/>
-        </p:nvPicPr>
-        <p:blipFill rotWithShape="1">
-          <a:blip r:embed="rId5">
-            <a:extLst>
-              <a:ext uri="{28A0092B-C50C-407E-A947-70E740481C1C}">
-                <a14:useLocalDpi xmlns:a14="http://schemas.microsoft.com/office/drawing/2010/main" val="0"/>
-              </a:ext>
-            </a:extLst>
-          </a:blip>
-          <a:srcRect l="2984" t="19459" r="59069" b="18096"/>
-          <a:stretch/>
-        </p:blipFill>
-        <p:spPr bwMode="auto">
-          <a:xfrm>
-            <a:off x="2721504" y="4651734"/>
-            <a:ext cx="701102" cy="679921"/>
-          </a:xfrm>
-          <a:prstGeom prst="rect">
-            <a:avLst/>
-          </a:prstGeom>
-          <a:noFill/>
-          <a:extLst>
-            <a:ext uri="{909E8E84-426E-40DD-AFC4-6F175D3DCCD1}">
-              <a14:hiddenFill xmlns:a14="http://schemas.microsoft.com/office/drawing/2010/main">
-                <a:solidFill>
-                  <a:srgbClr val="FFFFFF"/>
-                </a:solidFill>
-              </a14:hiddenFill>
-            </a:ext>
-          </a:extLst>
-        </p:spPr>
-      </p:pic>
-      <p:pic>
-        <p:nvPicPr>
-          <p:cNvPr id="41" name="Picture 2" descr="MUI Logo PNG Vector">
-            <a:extLst>
-              <a:ext uri="{FF2B5EF4-FFF2-40B4-BE49-F238E27FC236}">
-                <a16:creationId xmlns:a16="http://schemas.microsoft.com/office/drawing/2014/main" id="{2922D378-E924-B9B6-CD78-8348ED92EC51}"/>
-              </a:ext>
-            </a:extLst>
-          </p:cNvPr>
-          <p:cNvPicPr>
-            <a:picLocks noChangeAspect="1" noChangeArrowheads="1"/>
-          </p:cNvPicPr>
-          <p:nvPr/>
-        </p:nvPicPr>
-        <p:blipFill>
-          <a:blip r:embed="rId6">
-            <a:extLst>
-              <a:ext uri="{28A0092B-C50C-407E-A947-70E740481C1C}">
-                <a14:useLocalDpi xmlns:a14="http://schemas.microsoft.com/office/drawing/2010/main" val="0"/>
-              </a:ext>
-            </a:extLst>
-          </a:blip>
-          <a:srcRect/>
-          <a:stretch>
-            <a:fillRect/>
-          </a:stretch>
-        </p:blipFill>
-        <p:spPr bwMode="auto">
-          <a:xfrm>
-            <a:off x="2780124" y="2789893"/>
-            <a:ext cx="555727" cy="479778"/>
-          </a:xfrm>
-          <a:prstGeom prst="rect">
-            <a:avLst/>
-          </a:prstGeom>
-          <a:noFill/>
-          <a:extLst>
-            <a:ext uri="{909E8E84-426E-40DD-AFC4-6F175D3DCCD1}">
-              <a14:hiddenFill xmlns:a14="http://schemas.microsoft.com/office/drawing/2010/main">
-                <a:solidFill>
-                  <a:srgbClr val="FFFFFF"/>
-                </a:solidFill>
-              </a14:hiddenFill>
-            </a:ext>
-          </a:extLst>
-        </p:spPr>
-      </p:pic>
-      <p:sp>
-        <p:nvSpPr>
-          <p:cNvPr id="42" name="Rectangle : coins arrondis 41">
-            <a:extLst>
-              <a:ext uri="{FF2B5EF4-FFF2-40B4-BE49-F238E27FC236}">
-                <a16:creationId xmlns:a16="http://schemas.microsoft.com/office/drawing/2014/main" id="{F6E17F49-ABC0-46A4-7E21-D51D8ABEAA9E}"/>
-              </a:ext>
-            </a:extLst>
-          </p:cNvPr>
-          <p:cNvSpPr/>
-          <p:nvPr/>
-        </p:nvSpPr>
-        <p:spPr>
-          <a:xfrm>
-            <a:off x="2608127" y="2432149"/>
-            <a:ext cx="884046" cy="3198388"/>
-          </a:xfrm>
-          <a:prstGeom prst="roundRect">
-            <a:avLst/>
-          </a:prstGeom>
-          <a:noFill/>
-          <a:ln>
-            <a:solidFill>
-              <a:srgbClr val="68A2DF"/>
-            </a:solidFill>
-            <a:prstDash val="lgDashDotDot"/>
-          </a:ln>
-        </p:spPr>
-        <p:style>
-          <a:lnRef idx="2">
-            <a:schemeClr val="accent1">
-              <a:shade val="15000"/>
-            </a:schemeClr>
-          </a:lnRef>
-          <a:fillRef idx="1">
-            <a:schemeClr val="accent1"/>
-          </a:fillRef>
-          <a:effectRef idx="0">
-            <a:schemeClr val="accent1"/>
-          </a:effectRef>
-          <a:fontRef idx="minor">
-            <a:schemeClr val="lt1"/>
-          </a:fontRef>
-        </p:style>
-        <p:txBody>
-          <a:bodyPr rtlCol="0" anchor="ctr"/>
-          <a:lstStyle/>
-          <a:p>
-            <a:pPr algn="ctr"/>
-            <a:endParaRPr lang="en-US"/>
-          </a:p>
-        </p:txBody>
-      </p:sp>
-      <p:grpSp>
-        <p:nvGrpSpPr>
-          <p:cNvPr id="43" name="Groupe 42">
-            <a:extLst>
-              <a:ext uri="{FF2B5EF4-FFF2-40B4-BE49-F238E27FC236}">
-                <a16:creationId xmlns:a16="http://schemas.microsoft.com/office/drawing/2014/main" id="{9C4C53EB-4A9F-E405-E47A-3EFD4AE18CAE}"/>
-              </a:ext>
-            </a:extLst>
-          </p:cNvPr>
-          <p:cNvGrpSpPr/>
-          <p:nvPr/>
-        </p:nvGrpSpPr>
-        <p:grpSpPr>
-          <a:xfrm>
-            <a:off x="5659253" y="2189259"/>
-            <a:ext cx="1096708" cy="899916"/>
-            <a:chOff x="1830023" y="3415956"/>
-            <a:chExt cx="1424498" cy="1168888"/>
-          </a:xfrm>
-        </p:grpSpPr>
-        <p:pic>
-          <p:nvPicPr>
-            <p:cNvPr id="44" name="Image 43">
-              <a:extLst>
-                <a:ext uri="{FF2B5EF4-FFF2-40B4-BE49-F238E27FC236}">
-                  <a16:creationId xmlns:a16="http://schemas.microsoft.com/office/drawing/2014/main" id="{82E2C5C2-3E36-B38E-3801-089B5A38D4C0}"/>
-                </a:ext>
-              </a:extLst>
-            </p:cNvPr>
-            <p:cNvPicPr>
-              <a:picLocks noChangeAspect="1"/>
-            </p:cNvPicPr>
-            <p:nvPr/>
-          </p:nvPicPr>
-          <p:blipFill rotWithShape="1">
-            <a:blip r:embed="rId7">
-              <a:extLst>
-                <a:ext uri="{28A0092B-C50C-407E-A947-70E740481C1C}">
-                  <a14:useLocalDpi xmlns:a14="http://schemas.microsoft.com/office/drawing/2010/main" val="0"/>
-                </a:ext>
-              </a:extLst>
-            </a:blip>
-            <a:srcRect l="22083"/>
-            <a:stretch/>
-          </p:blipFill>
-          <p:spPr>
-            <a:xfrm>
-              <a:off x="1830023" y="4245249"/>
-              <a:ext cx="1424498" cy="339595"/>
-            </a:xfrm>
-            <a:prstGeom prst="rect">
-              <a:avLst/>
-            </a:prstGeom>
-          </p:spPr>
-        </p:pic>
-        <p:pic>
-          <p:nvPicPr>
-            <p:cNvPr id="45" name="Image 44">
-              <a:extLst>
-                <a:ext uri="{FF2B5EF4-FFF2-40B4-BE49-F238E27FC236}">
-                  <a16:creationId xmlns:a16="http://schemas.microsoft.com/office/drawing/2014/main" id="{65BF8895-0226-2C6D-2393-741E152FE79F}"/>
-                </a:ext>
-              </a:extLst>
-            </p:cNvPr>
-            <p:cNvPicPr>
-              <a:picLocks noChangeAspect="1"/>
-            </p:cNvPicPr>
-            <p:nvPr/>
-          </p:nvPicPr>
-          <p:blipFill rotWithShape="1">
-            <a:blip r:embed="rId7">
-              <a:extLst>
-                <a:ext uri="{28A0092B-C50C-407E-A947-70E740481C1C}">
-                  <a14:useLocalDpi xmlns:a14="http://schemas.microsoft.com/office/drawing/2010/main" val="0"/>
-                </a:ext>
-              </a:extLst>
-            </a:blip>
-            <a:srcRect r="80841"/>
-            <a:stretch/>
-          </p:blipFill>
-          <p:spPr>
-            <a:xfrm>
-              <a:off x="2166149" y="3415956"/>
-              <a:ext cx="723087" cy="701040"/>
-            </a:xfrm>
-            <a:prstGeom prst="rect">
-              <a:avLst/>
-            </a:prstGeom>
-          </p:spPr>
-        </p:pic>
-      </p:grpSp>
-      <p:sp>
-        <p:nvSpPr>
-          <p:cNvPr id="46" name="Rectangle : coins arrondis 45">
-            <a:extLst>
-              <a:ext uri="{FF2B5EF4-FFF2-40B4-BE49-F238E27FC236}">
-                <a16:creationId xmlns:a16="http://schemas.microsoft.com/office/drawing/2014/main" id="{BA7005BF-A8FB-5800-43DA-58A380FEFA6E}"/>
-              </a:ext>
-            </a:extLst>
-          </p:cNvPr>
-          <p:cNvSpPr/>
-          <p:nvPr/>
-        </p:nvSpPr>
-        <p:spPr>
-          <a:xfrm>
-            <a:off x="5534206" y="1997611"/>
-            <a:ext cx="1335045" cy="1311585"/>
-          </a:xfrm>
-          <a:prstGeom prst="roundRect">
-            <a:avLst/>
-          </a:prstGeom>
-          <a:noFill/>
-          <a:ln>
-            <a:solidFill>
-              <a:srgbClr val="68A2DF"/>
-            </a:solidFill>
-            <a:prstDash val="lgDashDotDot"/>
-          </a:ln>
-        </p:spPr>
-        <p:style>
-          <a:lnRef idx="2">
-            <a:schemeClr val="accent1">
-              <a:shade val="15000"/>
-            </a:schemeClr>
-          </a:lnRef>
-          <a:fillRef idx="1">
-            <a:schemeClr val="accent1"/>
-          </a:fillRef>
-          <a:effectRef idx="0">
-            <a:schemeClr val="accent1"/>
-          </a:effectRef>
-          <a:fontRef idx="minor">
-            <a:schemeClr val="lt1"/>
-          </a:fontRef>
-        </p:style>
-        <p:txBody>
-          <a:bodyPr rtlCol="0" anchor="ctr"/>
-          <a:lstStyle/>
-          <a:p>
-            <a:pPr algn="ctr"/>
-            <a:endParaRPr lang="en-US"/>
-          </a:p>
-        </p:txBody>
-      </p:sp>
-      <p:sp>
-        <p:nvSpPr>
-          <p:cNvPr id="47" name="Rectangle : coins arrondis 46">
-            <a:extLst>
-              <a:ext uri="{FF2B5EF4-FFF2-40B4-BE49-F238E27FC236}">
-                <a16:creationId xmlns:a16="http://schemas.microsoft.com/office/drawing/2014/main" id="{EF4F443B-E7B6-0FBB-017C-812627A25F47}"/>
-              </a:ext>
-            </a:extLst>
-          </p:cNvPr>
-          <p:cNvSpPr/>
-          <p:nvPr/>
-        </p:nvSpPr>
-        <p:spPr>
-          <a:xfrm>
-            <a:off x="8826046" y="2245530"/>
-            <a:ext cx="1029821" cy="1033697"/>
-          </a:xfrm>
-          <a:prstGeom prst="roundRect">
-            <a:avLst/>
-          </a:prstGeom>
-          <a:noFill/>
-          <a:ln>
-            <a:solidFill>
-              <a:srgbClr val="68A2DF"/>
-            </a:solidFill>
-            <a:prstDash val="lgDashDotDot"/>
-          </a:ln>
-        </p:spPr>
-        <p:style>
-          <a:lnRef idx="2">
-            <a:schemeClr val="accent1">
-              <a:shade val="15000"/>
-            </a:schemeClr>
-          </a:lnRef>
-          <a:fillRef idx="1">
-            <a:schemeClr val="accent1"/>
-          </a:fillRef>
-          <a:effectRef idx="0">
-            <a:schemeClr val="accent1"/>
-          </a:effectRef>
-          <a:fontRef idx="minor">
-            <a:schemeClr val="lt1"/>
-          </a:fontRef>
-        </p:style>
-        <p:txBody>
-          <a:bodyPr rtlCol="0" anchor="ctr"/>
-          <a:lstStyle/>
-          <a:p>
-            <a:pPr algn="ctr"/>
-            <a:endParaRPr lang="en-US"/>
-          </a:p>
-        </p:txBody>
-      </p:sp>
-      <p:pic>
-        <p:nvPicPr>
-          <p:cNvPr id="48" name="Picture 26" descr="Python Logo PNG">
-            <a:extLst>
-              <a:ext uri="{FF2B5EF4-FFF2-40B4-BE49-F238E27FC236}">
-                <a16:creationId xmlns:a16="http://schemas.microsoft.com/office/drawing/2014/main" id="{050EFD8A-3B00-1A7A-954D-2EF03CD2F784}"/>
-              </a:ext>
-            </a:extLst>
-          </p:cNvPr>
-          <p:cNvPicPr>
-            <a:picLocks noChangeAspect="1" noChangeArrowheads="1"/>
-          </p:cNvPicPr>
-          <p:nvPr/>
-        </p:nvPicPr>
-        <p:blipFill>
-          <a:blip r:embed="rId8">
-            <a:extLst>
-              <a:ext uri="{28A0092B-C50C-407E-A947-70E740481C1C}">
-                <a14:useLocalDpi xmlns:a14="http://schemas.microsoft.com/office/drawing/2010/main" val="0"/>
-              </a:ext>
-            </a:extLst>
-          </a:blip>
-          <a:srcRect/>
-          <a:stretch>
-            <a:fillRect/>
-          </a:stretch>
-        </p:blipFill>
-        <p:spPr bwMode="auto">
-          <a:xfrm>
-            <a:off x="8958777" y="2412007"/>
-            <a:ext cx="758141" cy="755772"/>
-          </a:xfrm>
-          <a:prstGeom prst="rect">
-            <a:avLst/>
-          </a:prstGeom>
-          <a:noFill/>
-          <a:extLst>
-            <a:ext uri="{909E8E84-426E-40DD-AFC4-6F175D3DCCD1}">
-              <a14:hiddenFill xmlns:a14="http://schemas.microsoft.com/office/drawing/2010/main">
-                <a:solidFill>
-                  <a:srgbClr val="FFFFFF"/>
-                </a:solidFill>
-              </a14:hiddenFill>
-            </a:ext>
-          </a:extLst>
-        </p:spPr>
-      </p:pic>
-      <p:pic>
-        <p:nvPicPr>
-          <p:cNvPr id="49" name="Picture 24" descr="Logo Mongodb PNG - 35495">
-            <a:extLst>
-              <a:ext uri="{FF2B5EF4-FFF2-40B4-BE49-F238E27FC236}">
-                <a16:creationId xmlns:a16="http://schemas.microsoft.com/office/drawing/2014/main" id="{9C7C27C3-4904-2C40-2511-BA45BDD5F8F2}"/>
-              </a:ext>
-            </a:extLst>
-          </p:cNvPr>
-          <p:cNvPicPr>
-            <a:picLocks noChangeAspect="1" noChangeArrowheads="1"/>
-          </p:cNvPicPr>
-          <p:nvPr/>
-        </p:nvPicPr>
-        <p:blipFill rotWithShape="1">
-          <a:blip r:embed="rId9">
-            <a:extLst>
-              <a:ext uri="{28A0092B-C50C-407E-A947-70E740481C1C}">
-                <a14:useLocalDpi xmlns:a14="http://schemas.microsoft.com/office/drawing/2010/main" val="0"/>
-              </a:ext>
-            </a:extLst>
-          </a:blip>
-          <a:srcRect l="13963" t="24488"/>
-          <a:stretch/>
-        </p:blipFill>
-        <p:spPr bwMode="auto">
-          <a:xfrm>
-            <a:off x="9952377" y="5567627"/>
-            <a:ext cx="1777386" cy="422634"/>
-          </a:xfrm>
-          <a:prstGeom prst="rect">
-            <a:avLst/>
-          </a:prstGeom>
-          <a:noFill/>
-          <a:extLst>
-            <a:ext uri="{909E8E84-426E-40DD-AFC4-6F175D3DCCD1}">
-              <a14:hiddenFill xmlns:a14="http://schemas.microsoft.com/office/drawing/2010/main">
-                <a:solidFill>
-                  <a:srgbClr val="FFFFFF"/>
-                </a:solidFill>
-              </a14:hiddenFill>
-            </a:ext>
-          </a:extLst>
-        </p:spPr>
-      </p:pic>
-      <p:pic>
-        <p:nvPicPr>
-          <p:cNvPr id="50" name="Picture 24" descr="Logo Mongodb PNG - 35495">
-            <a:extLst>
-              <a:ext uri="{FF2B5EF4-FFF2-40B4-BE49-F238E27FC236}">
-                <a16:creationId xmlns:a16="http://schemas.microsoft.com/office/drawing/2014/main" id="{D4DC44B5-5365-92F4-ACD3-39DA5176C6C4}"/>
-              </a:ext>
-            </a:extLst>
-          </p:cNvPr>
-          <p:cNvPicPr>
-            <a:picLocks noChangeAspect="1" noChangeArrowheads="1"/>
-          </p:cNvPicPr>
-          <p:nvPr/>
-        </p:nvPicPr>
-        <p:blipFill rotWithShape="1">
-          <a:blip r:embed="rId9">
-            <a:extLst>
-              <a:ext uri="{28A0092B-C50C-407E-A947-70E740481C1C}">
-                <a14:useLocalDpi xmlns:a14="http://schemas.microsoft.com/office/drawing/2010/main" val="0"/>
-              </a:ext>
-            </a:extLst>
-          </a:blip>
-          <a:srcRect r="87710"/>
-          <a:stretch/>
-        </p:blipFill>
-        <p:spPr bwMode="auto">
-          <a:xfrm>
-            <a:off x="10618792" y="4774599"/>
-            <a:ext cx="388283" cy="855939"/>
-          </a:xfrm>
-          <a:prstGeom prst="rect">
-            <a:avLst/>
-          </a:prstGeom>
-          <a:noFill/>
-          <a:extLst>
-            <a:ext uri="{909E8E84-426E-40DD-AFC4-6F175D3DCCD1}">
-              <a14:hiddenFill xmlns:a14="http://schemas.microsoft.com/office/drawing/2010/main">
-                <a:solidFill>
-                  <a:srgbClr val="FFFFFF"/>
-                </a:solidFill>
-              </a14:hiddenFill>
-            </a:ext>
-          </a:extLst>
-        </p:spPr>
-      </p:pic>
-      <p:sp>
-        <p:nvSpPr>
-          <p:cNvPr id="52" name="Rectangle : coins arrondis 51">
-            <a:extLst>
-              <a:ext uri="{FF2B5EF4-FFF2-40B4-BE49-F238E27FC236}">
-                <a16:creationId xmlns:a16="http://schemas.microsoft.com/office/drawing/2014/main" id="{F4D89647-582C-FB42-8190-77DF2A15946B}"/>
-              </a:ext>
-            </a:extLst>
-          </p:cNvPr>
-          <p:cNvSpPr/>
-          <p:nvPr/>
-        </p:nvSpPr>
-        <p:spPr>
-          <a:xfrm>
-            <a:off x="9840687" y="4656404"/>
-            <a:ext cx="1942417" cy="1424353"/>
-          </a:xfrm>
-          <a:prstGeom prst="roundRect">
-            <a:avLst/>
-          </a:prstGeom>
-          <a:noFill/>
-          <a:ln>
-            <a:solidFill>
-              <a:srgbClr val="68A2DF"/>
-            </a:solidFill>
-            <a:prstDash val="lgDashDotDot"/>
-          </a:ln>
-        </p:spPr>
-        <p:style>
-          <a:lnRef idx="2">
-            <a:schemeClr val="accent1">
-              <a:shade val="15000"/>
-            </a:schemeClr>
-          </a:lnRef>
-          <a:fillRef idx="1">
-            <a:schemeClr val="accent1"/>
-          </a:fillRef>
-          <a:effectRef idx="0">
-            <a:schemeClr val="accent1"/>
-          </a:effectRef>
-          <a:fontRef idx="minor">
-            <a:schemeClr val="lt1"/>
-          </a:fontRef>
-        </p:style>
-        <p:txBody>
-          <a:bodyPr rtlCol="0" anchor="ctr"/>
-          <a:lstStyle/>
-          <a:p>
-            <a:pPr algn="ctr"/>
-            <a:endParaRPr lang="en-US"/>
-          </a:p>
-        </p:txBody>
-      </p:sp>
-      <p:pic>
-        <p:nvPicPr>
-          <p:cNvPr id="56" name="Picture 34" descr="axios_logo_transparent">
-            <a:extLst>
-              <a:ext uri="{FF2B5EF4-FFF2-40B4-BE49-F238E27FC236}">
-                <a16:creationId xmlns:a16="http://schemas.microsoft.com/office/drawing/2014/main" id="{F1ADC04D-3EDD-D05C-FB06-025211F1BA92}"/>
-              </a:ext>
-            </a:extLst>
-          </p:cNvPr>
-          <p:cNvPicPr>
-            <a:picLocks noChangeAspect="1" noChangeArrowheads="1"/>
-          </p:cNvPicPr>
-          <p:nvPr/>
-        </p:nvPicPr>
-        <p:blipFill>
-          <a:blip r:embed="rId10">
-            <a:extLst>
-              <a:ext uri="{28A0092B-C50C-407E-A947-70E740481C1C}">
-                <a14:useLocalDpi xmlns:a14="http://schemas.microsoft.com/office/drawing/2010/main" val="0"/>
-              </a:ext>
-            </a:extLst>
-          </a:blip>
-          <a:srcRect/>
-          <a:stretch>
-            <a:fillRect/>
-          </a:stretch>
-        </p:blipFill>
-        <p:spPr bwMode="auto">
-          <a:xfrm>
-            <a:off x="3739367" y="2693798"/>
-            <a:ext cx="1614020" cy="236094"/>
-          </a:xfrm>
-          <a:prstGeom prst="rect">
-            <a:avLst/>
-          </a:prstGeom>
-          <a:noFill/>
-          <a:extLst>
-            <a:ext uri="{909E8E84-426E-40DD-AFC4-6F175D3DCCD1}">
-              <a14:hiddenFill xmlns:a14="http://schemas.microsoft.com/office/drawing/2010/main">
-                <a:solidFill>
-                  <a:srgbClr val="FFFFFF"/>
-                </a:solidFill>
-              </a14:hiddenFill>
-            </a:ext>
-          </a:extLst>
-        </p:spPr>
-      </p:pic>
-    </p:spTree>
-    <p:extLst>
-      <p:ext uri="{BB962C8B-B14F-4D97-AF65-F5344CB8AC3E}">
-        <p14:creationId xmlns:p14="http://schemas.microsoft.com/office/powerpoint/2010/main" val="3174373219"/>
-      </p:ext>
-    </p:extLst>
-  </p:cSld>
-  <p:clrMapOvr>
-    <a:masterClrMapping/>
-  </p:clrMapOvr>
-  <mc:AlternateContent xmlns:mc="http://schemas.openxmlformats.org/markup-compatibility/2006" xmlns:p159="http://schemas.microsoft.com/office/powerpoint/2015/09/main">
-    <mc:Choice Requires="p159">
-      <p:transition xmlns:p14="http://schemas.microsoft.com/office/powerpoint/2010/main" spd="slow" p14:dur="2000">
-        <p159:morph option="byObject"/>
-      </p:transition>
-    </mc:Choice>
-    <mc:Fallback xmlns="">
-      <p:transition spd="slow">
-        <p:fade/>
-      </p:transition>
-    </mc:Fallback>
-  </mc:AlternateContent>
-</p:sld>
-</file>
-
 <file path=ppt/theme/theme1.xml><?xml version="1.0" encoding="utf-8"?>
 <a:theme xmlns:a="http://schemas.openxmlformats.org/drawingml/2006/main" name="Thème Office">
   <a:themeElements>
